--- a/03/slides.pptx
+++ b/03/slides.pptx
@@ -5,15 +5,26 @@
     <p:sldMasterId id="2147483648" r:id="rId1"/>
   </p:sldMasterIdLst>
   <p:notesMasterIdLst>
-    <p:notesMasterId r:id="rId6"/>
+    <p:notesMasterId r:id="rId8"/>
   </p:notesMasterIdLst>
   <p:handoutMasterIdLst>
-    <p:handoutMasterId r:id="rId7"/>
+    <p:handoutMasterId r:id="rId18"/>
   </p:handoutMasterIdLst>
   <p:sldIdLst>
     <p:sldId id="257" r:id="rId3"/>
     <p:sldId id="258" r:id="rId4"/>
-    <p:sldId id="259" r:id="rId5"/>
+    <p:sldId id="260" r:id="rId5"/>
+    <p:sldId id="261" r:id="rId6"/>
+    <p:sldId id="262" r:id="rId7"/>
+    <p:sldId id="264" r:id="rId9"/>
+    <p:sldId id="263" r:id="rId10"/>
+    <p:sldId id="265" r:id="rId11"/>
+    <p:sldId id="266" r:id="rId12"/>
+    <p:sldId id="267" r:id="rId13"/>
+    <p:sldId id="268" r:id="rId14"/>
+    <p:sldId id="271" r:id="rId15"/>
+    <p:sldId id="270" r:id="rId16"/>
+    <p:sldId id="269" r:id="rId17"/>
   </p:sldIdLst>
   <p:sldSz cx="12192000" cy="6858000"/>
   <p:notesSz cx="7103745" cy="10234295"/>
@@ -618,6 +629,94 @@
     </a:lvl9pPr>
   </p:notesStyle>
 </p:notesMaster>
+</file>
+
+<file path=ppt/notesSlides/notesSlide1.xml><?xml version="1.0" encoding="utf-8"?>
+<p:notes xmlns:a="http://schemas.openxmlformats.org/drawingml/2006/main" xmlns:r="http://schemas.openxmlformats.org/officeDocument/2006/relationships" xmlns:p="http://schemas.openxmlformats.org/presentationml/2006/main">
+  <p:cSld>
+    <p:spTree>
+      <p:nvGrpSpPr>
+        <p:cNvPr id="1" name=""/>
+        <p:cNvGrpSpPr/>
+        <p:nvPr/>
+      </p:nvGrpSpPr>
+      <p:grpSpPr/>
+      <p:sp>
+        <p:nvSpPr>
+          <p:cNvPr id="2" name="Slide Image Placeholder 1"/>
+          <p:cNvSpPr/>
+          <p:nvPr>
+            <p:ph type="sldImg" idx="2"/>
+          </p:nvPr>
+        </p:nvSpPr>
+        <p:spPr/>
+      </p:sp>
+      <p:sp>
+        <p:nvSpPr>
+          <p:cNvPr id="3" name="Text Placeholder 2"/>
+          <p:cNvSpPr/>
+          <p:nvPr>
+            <p:ph type="body" idx="3"/>
+          </p:nvPr>
+        </p:nvSpPr>
+        <p:spPr/>
+        <p:txBody>
+          <a:bodyPr/>
+          <a:p>
+            <a:endParaRPr lang="en-US"/>
+          </a:p>
+        </p:txBody>
+      </p:sp>
+    </p:spTree>
+  </p:cSld>
+  <p:clrMapOvr>
+    <a:masterClrMapping/>
+  </p:clrMapOvr>
+</p:notes>
+</file>
+
+<file path=ppt/notesSlides/notesSlide2.xml><?xml version="1.0" encoding="utf-8"?>
+<p:notes xmlns:a="http://schemas.openxmlformats.org/drawingml/2006/main" xmlns:r="http://schemas.openxmlformats.org/officeDocument/2006/relationships" xmlns:p="http://schemas.openxmlformats.org/presentationml/2006/main">
+  <p:cSld>
+    <p:spTree>
+      <p:nvGrpSpPr>
+        <p:cNvPr id="1" name=""/>
+        <p:cNvGrpSpPr/>
+        <p:nvPr/>
+      </p:nvGrpSpPr>
+      <p:grpSpPr/>
+      <p:sp>
+        <p:nvSpPr>
+          <p:cNvPr id="2" name="Slide Image Placeholder 1"/>
+          <p:cNvSpPr/>
+          <p:nvPr>
+            <p:ph type="sldImg" idx="2"/>
+          </p:nvPr>
+        </p:nvSpPr>
+        <p:spPr/>
+      </p:sp>
+      <p:sp>
+        <p:nvSpPr>
+          <p:cNvPr id="3" name="Text Placeholder 2"/>
+          <p:cNvSpPr/>
+          <p:nvPr>
+            <p:ph type="body" idx="3"/>
+          </p:nvPr>
+        </p:nvSpPr>
+        <p:spPr/>
+        <p:txBody>
+          <a:bodyPr/>
+          <a:p>
+            <a:endParaRPr lang="en-US"/>
+          </a:p>
+        </p:txBody>
+      </p:sp>
+    </p:spTree>
+  </p:cSld>
+  <p:clrMapOvr>
+    <a:masterClrMapping/>
+  </p:clrMapOvr>
+</p:notes>
 </file>
 
 <file path=ppt/slideLayouts/slideLayout1.xml><?xml version="1.0" encoding="utf-8"?>
@@ -3663,6 +3762,579 @@
 </p:sld>
 </file>
 
+<file path=ppt/slides/slide10.xml><?xml version="1.0" encoding="utf-8"?>
+<p:sld xmlns:a="http://schemas.openxmlformats.org/drawingml/2006/main" xmlns:r="http://schemas.openxmlformats.org/officeDocument/2006/relationships" xmlns:p="http://schemas.openxmlformats.org/presentationml/2006/main">
+  <p:cSld>
+    <p:spTree>
+      <p:nvGrpSpPr>
+        <p:cNvPr id="1" name=""/>
+        <p:cNvGrpSpPr/>
+        <p:nvPr/>
+      </p:nvGrpSpPr>
+      <p:grpSpPr/>
+      <p:sp>
+        <p:nvSpPr>
+          <p:cNvPr id="2" name="Title 1"/>
+          <p:cNvSpPr>
+            <a:spLocks noGrp="1"/>
+          </p:cNvSpPr>
+          <p:nvPr>
+            <p:ph type="title"/>
+          </p:nvPr>
+        </p:nvSpPr>
+        <p:spPr/>
+        <p:txBody>
+          <a:bodyPr/>
+          <a:p>
+            <a:r>
+              <a:rPr lang="zh-CN" altLang="en-US"/>
+              <a:t>自动类型推导：定义常引用（</a:t>
+            </a:r>
+            <a:r>
+              <a:rPr lang="en-US" altLang="zh-CN"/>
+              <a:t>auto const &amp;</a:t>
+            </a:r>
+            <a:r>
+              <a:rPr lang="zh-CN" altLang="en-US"/>
+              <a:t>）</a:t>
+            </a:r>
+            <a:endParaRPr lang="zh-CN" altLang="en-US"/>
+          </a:p>
+        </p:txBody>
+      </p:sp>
+      <p:sp>
+        <p:nvSpPr>
+          <p:cNvPr id="3" name="Content Placeholder 2"/>
+          <p:cNvSpPr>
+            <a:spLocks noGrp="1"/>
+          </p:cNvSpPr>
+          <p:nvPr>
+            <p:ph idx="1"/>
+          </p:nvPr>
+        </p:nvSpPr>
+        <p:spPr/>
+        <p:txBody>
+          <a:bodyPr/>
+          <a:p>
+            <a:r>
+              <a:rPr lang="zh-CN"/>
+              <a:t>同理，</a:t>
+            </a:r>
+            <a:r>
+              <a:rPr lang="en-US" altLang="zh-CN"/>
+              <a:t>auto const &amp; </a:t>
+            </a:r>
+            <a:r>
+              <a:rPr lang="zh-CN" altLang="en-US"/>
+              <a:t>可以定义常引用：</a:t>
+            </a:r>
+            <a:endParaRPr lang="zh-CN" altLang="en-US"/>
+          </a:p>
+        </p:txBody>
+      </p:sp>
+      <p:pic>
+        <p:nvPicPr>
+          <p:cNvPr id="6" name="Picture 5"/>
+          <p:cNvPicPr>
+            <a:picLocks noChangeAspect="1"/>
+          </p:cNvPicPr>
+          <p:nvPr/>
+        </p:nvPicPr>
+        <p:blipFill>
+          <a:blip r:embed="rId1"/>
+          <a:stretch>
+            <a:fillRect/>
+          </a:stretch>
+        </p:blipFill>
+        <p:spPr>
+          <a:xfrm>
+            <a:off x="4008755" y="2374265"/>
+            <a:ext cx="4174490" cy="2948940"/>
+          </a:xfrm>
+          <a:prstGeom prst="rect">
+            <a:avLst/>
+          </a:prstGeom>
+        </p:spPr>
+      </p:pic>
+      <p:pic>
+        <p:nvPicPr>
+          <p:cNvPr id="7" name="Picture 6"/>
+          <p:cNvPicPr>
+            <a:picLocks noChangeAspect="1"/>
+          </p:cNvPicPr>
+          <p:nvPr/>
+        </p:nvPicPr>
+        <p:blipFill>
+          <a:blip r:embed="rId2"/>
+          <a:stretch>
+            <a:fillRect/>
+          </a:stretch>
+        </p:blipFill>
+        <p:spPr>
+          <a:xfrm>
+            <a:off x="11544300" y="6272530"/>
+            <a:ext cx="647700" cy="585470"/>
+          </a:xfrm>
+          <a:prstGeom prst="rect">
+            <a:avLst/>
+          </a:prstGeom>
+        </p:spPr>
+      </p:pic>
+      <p:cxnSp>
+        <p:nvCxnSpPr>
+          <p:cNvPr id="14" name="Straight Connector 13"/>
+          <p:cNvCxnSpPr/>
+          <p:nvPr/>
+        </p:nvCxnSpPr>
+        <p:spPr>
+          <a:xfrm>
+            <a:off x="4914900" y="3924300"/>
+            <a:ext cx="1308100" cy="9525"/>
+          </a:xfrm>
+          <a:prstGeom prst="line">
+            <a:avLst/>
+          </a:prstGeom>
+          <a:ln w="34925">
+            <a:solidFill>
+              <a:srgbClr val="FF3300"/>
+            </a:solidFill>
+          </a:ln>
+        </p:spPr>
+        <p:style>
+          <a:lnRef idx="1">
+            <a:schemeClr val="accent1"/>
+          </a:lnRef>
+          <a:fillRef idx="0">
+            <a:schemeClr val="accent1"/>
+          </a:fillRef>
+          <a:effectRef idx="0">
+            <a:schemeClr val="accent1"/>
+          </a:effectRef>
+          <a:fontRef idx="minor">
+            <a:schemeClr val="tx1"/>
+          </a:fontRef>
+        </p:style>
+      </p:cxnSp>
+    </p:spTree>
+  </p:cSld>
+  <p:clrMapOvr>
+    <a:masterClrMapping/>
+  </p:clrMapOvr>
+</p:sld>
+</file>
+
+<file path=ppt/slides/slide11.xml><?xml version="1.0" encoding="utf-8"?>
+<p:sld xmlns:a="http://schemas.openxmlformats.org/drawingml/2006/main" xmlns:r="http://schemas.openxmlformats.org/officeDocument/2006/relationships" xmlns:p="http://schemas.openxmlformats.org/presentationml/2006/main">
+  <p:cSld>
+    <p:spTree>
+      <p:nvGrpSpPr>
+        <p:cNvPr id="1" name=""/>
+        <p:cNvGrpSpPr/>
+        <p:nvPr/>
+      </p:nvGrpSpPr>
+      <p:grpSpPr/>
+      <p:sp>
+        <p:nvSpPr>
+          <p:cNvPr id="2" name="Title 1"/>
+          <p:cNvSpPr>
+            <a:spLocks noGrp="1"/>
+          </p:cNvSpPr>
+          <p:nvPr>
+            <p:ph type="title"/>
+          </p:nvPr>
+        </p:nvSpPr>
+        <p:spPr/>
+        <p:txBody>
+          <a:bodyPr/>
+          <a:p>
+            <a:r>
+              <a:rPr lang="zh-CN" altLang="en-US"/>
+              <a:t>自动类型推导：函数返回引用</a:t>
+            </a:r>
+            <a:endParaRPr lang="zh-CN" altLang="en-US"/>
+          </a:p>
+        </p:txBody>
+      </p:sp>
+      <p:sp>
+        <p:nvSpPr>
+          <p:cNvPr id="3" name="Content Placeholder 2"/>
+          <p:cNvSpPr>
+            <a:spLocks noGrp="1"/>
+          </p:cNvSpPr>
+          <p:nvPr>
+            <p:ph idx="1"/>
+          </p:nvPr>
+        </p:nvSpPr>
+        <p:spPr/>
+        <p:txBody>
+          <a:bodyPr/>
+          <a:p>
+            <a:r>
+              <a:rPr lang="zh-CN" altLang="en-US">
+                <a:sym typeface="+mn-ea"/>
+              </a:rPr>
+              <a:t>当然，函数的返回类型也可以是</a:t>
+            </a:r>
+            <a:r>
+              <a:rPr lang="en-US" altLang="zh-CN">
+                <a:sym typeface="+mn-ea"/>
+              </a:rPr>
+              <a:t> auto &amp; </a:t>
+            </a:r>
+            <a:r>
+              <a:rPr lang="zh-CN" altLang="en-US">
+                <a:sym typeface="+mn-ea"/>
+              </a:rPr>
+              <a:t>或者</a:t>
+            </a:r>
+            <a:r>
+              <a:rPr lang="en-US" altLang="zh-CN">
+                <a:sym typeface="+mn-ea"/>
+              </a:rPr>
+              <a:t> auto const &amp;</a:t>
+            </a:r>
+            <a:r>
+              <a:rPr lang="zh-CN" altLang="en-US">
+                <a:sym typeface="+mn-ea"/>
+              </a:rPr>
+              <a:t>。比如常见的单例模式：</a:t>
+            </a:r>
+            <a:endParaRPr lang="zh-CN" altLang="en-US">
+              <a:sym typeface="+mn-ea"/>
+            </a:endParaRPr>
+          </a:p>
+        </p:txBody>
+      </p:sp>
+      <p:pic>
+        <p:nvPicPr>
+          <p:cNvPr id="4" name="Picture 3"/>
+          <p:cNvPicPr>
+            <a:picLocks noChangeAspect="1"/>
+          </p:cNvPicPr>
+          <p:nvPr/>
+        </p:nvPicPr>
+        <p:blipFill>
+          <a:blip r:embed="rId1"/>
+          <a:stretch>
+            <a:fillRect/>
+          </a:stretch>
+        </p:blipFill>
+        <p:spPr>
+          <a:xfrm>
+            <a:off x="3476625" y="2624455"/>
+            <a:ext cx="5238750" cy="3305175"/>
+          </a:xfrm>
+          <a:prstGeom prst="rect">
+            <a:avLst/>
+          </a:prstGeom>
+        </p:spPr>
+      </p:pic>
+      <p:cxnSp>
+        <p:nvCxnSpPr>
+          <p:cNvPr id="14" name="Straight Connector 13"/>
+          <p:cNvCxnSpPr/>
+          <p:nvPr/>
+        </p:nvCxnSpPr>
+        <p:spPr>
+          <a:xfrm flipV="1">
+            <a:off x="3864610" y="4036695"/>
+            <a:ext cx="569595" cy="5080"/>
+          </a:xfrm>
+          <a:prstGeom prst="line">
+            <a:avLst/>
+          </a:prstGeom>
+          <a:ln w="34925">
+            <a:solidFill>
+              <a:srgbClr val="FF3300"/>
+            </a:solidFill>
+          </a:ln>
+        </p:spPr>
+        <p:style>
+          <a:lnRef idx="1">
+            <a:schemeClr val="accent1"/>
+          </a:lnRef>
+          <a:fillRef idx="0">
+            <a:schemeClr val="accent1"/>
+          </a:fillRef>
+          <a:effectRef idx="0">
+            <a:schemeClr val="accent1"/>
+          </a:effectRef>
+          <a:fontRef idx="minor">
+            <a:schemeClr val="tx1"/>
+          </a:fontRef>
+        </p:style>
+      </p:cxnSp>
+    </p:spTree>
+  </p:cSld>
+  <p:clrMapOvr>
+    <a:masterClrMapping/>
+  </p:clrMapOvr>
+</p:sld>
+</file>
+
+<file path=ppt/slides/slide12.xml><?xml version="1.0" encoding="utf-8"?>
+<p:sld xmlns:a="http://schemas.openxmlformats.org/drawingml/2006/main" xmlns:r="http://schemas.openxmlformats.org/officeDocument/2006/relationships" xmlns:p="http://schemas.openxmlformats.org/presentationml/2006/main">
+  <p:cSld>
+    <p:spTree>
+      <p:nvGrpSpPr>
+        <p:cNvPr id="1" name=""/>
+        <p:cNvGrpSpPr/>
+        <p:nvPr/>
+      </p:nvGrpSpPr>
+      <p:grpSpPr/>
+      <p:sp>
+        <p:nvSpPr>
+          <p:cNvPr id="2" name="Title 1"/>
+          <p:cNvSpPr>
+            <a:spLocks noGrp="1"/>
+          </p:cNvSpPr>
+          <p:nvPr>
+            <p:ph type="title"/>
+          </p:nvPr>
+        </p:nvSpPr>
+        <p:spPr/>
+        <p:txBody>
+          <a:bodyPr/>
+          <a:p>
+            <a:r>
+              <a:rPr lang="zh-CN" altLang="en-US"/>
+              <a:t>恭喜！你已经基本学废了自动类型推导！</a:t>
+            </a:r>
+            <a:endParaRPr lang="zh-CN" altLang="en-US"/>
+          </a:p>
+        </p:txBody>
+      </p:sp>
+      <p:sp>
+        <p:nvSpPr>
+          <p:cNvPr id="3" name="Content Placeholder 2"/>
+          <p:cNvSpPr>
+            <a:spLocks noGrp="1"/>
+          </p:cNvSpPr>
+          <p:nvPr>
+            <p:ph idx="1"/>
+          </p:nvPr>
+        </p:nvSpPr>
+        <p:spPr/>
+        <p:txBody>
+          <a:bodyPr/>
+          <a:p>
+            <a:r>
+              <a:rPr lang="zh-CN" altLang="en-US"/>
+              <a:t>接下来进入左值和右值的探讨。</a:t>
+            </a:r>
+            <a:endParaRPr lang="zh-CN" altLang="en-US"/>
+          </a:p>
+        </p:txBody>
+      </p:sp>
+    </p:spTree>
+  </p:cSld>
+  <p:clrMapOvr>
+    <a:masterClrMapping/>
+  </p:clrMapOvr>
+</p:sld>
+</file>
+
+<file path=ppt/slides/slide13.xml><?xml version="1.0" encoding="utf-8"?>
+<p:sld xmlns:a="http://schemas.openxmlformats.org/drawingml/2006/main" xmlns:r="http://schemas.openxmlformats.org/officeDocument/2006/relationships" xmlns:p="http://schemas.openxmlformats.org/presentationml/2006/main">
+  <p:cSld>
+    <p:spTree>
+      <p:nvGrpSpPr>
+        <p:cNvPr id="1" name=""/>
+        <p:cNvGrpSpPr/>
+        <p:nvPr/>
+      </p:nvGrpSpPr>
+      <p:grpSpPr/>
+      <p:sp>
+        <p:nvSpPr>
+          <p:cNvPr id="2" name="Title 1"/>
+          <p:cNvSpPr>
+            <a:spLocks noGrp="1"/>
+          </p:cNvSpPr>
+          <p:nvPr>
+            <p:ph type="title"/>
+          </p:nvPr>
+        </p:nvSpPr>
+        <p:spPr/>
+        <p:txBody>
+          <a:bodyPr/>
+          <a:p>
+            <a:r>
+              <a:rPr lang="zh-CN" altLang="en-US"/>
+              <a:t>理解右值：即将消失的，不长时间存在于内存中的值</a:t>
+            </a:r>
+            <a:endParaRPr lang="zh-CN" altLang="en-US"/>
+          </a:p>
+        </p:txBody>
+      </p:sp>
+      <p:sp>
+        <p:nvSpPr>
+          <p:cNvPr id="3" name="Content Placeholder 2"/>
+          <p:cNvSpPr>
+            <a:spLocks noGrp="1"/>
+          </p:cNvSpPr>
+          <p:nvPr>
+            <p:ph idx="1"/>
+          </p:nvPr>
+        </p:nvSpPr>
+        <p:spPr/>
+        <p:txBody>
+          <a:bodyPr/>
+          <a:p>
+            <a:r>
+              <a:rPr lang="zh-CN" altLang="en-US"/>
+              <a:t>引用又称为左值（</a:t>
+            </a:r>
+            <a:r>
+              <a:rPr lang="en-US" altLang="zh-CN"/>
+              <a:t>l-value</a:t>
+            </a:r>
+            <a:r>
+              <a:rPr lang="zh-CN" altLang="en-US"/>
+              <a:t>）。引用通常对应着一个变量，可以是常引用也可以是可变引用。</a:t>
+            </a:r>
+            <a:endParaRPr lang="zh-CN" altLang="en-US"/>
+          </a:p>
+          <a:p>
+            <a:r>
+              <a:rPr lang="zh-CN" altLang="en-US"/>
+              <a:t>除了左值之外，自然还有右值（</a:t>
+            </a:r>
+            <a:r>
+              <a:rPr lang="en-US" altLang="zh-CN"/>
+              <a:t>r-value</a:t>
+            </a:r>
+            <a:r>
+              <a:rPr lang="zh-CN" altLang="en-US"/>
+              <a:t>）。</a:t>
+            </a:r>
+            <a:r>
+              <a:rPr lang="zh-CN" altLang="en-US">
+                <a:sym typeface="+mn-ea"/>
+              </a:rPr>
+              <a:t>右值通常是一个表达式，代表一个中间变量。</a:t>
+            </a:r>
+            <a:endParaRPr lang="zh-CN" altLang="en-US"/>
+          </a:p>
+        </p:txBody>
+      </p:sp>
+    </p:spTree>
+  </p:cSld>
+  <p:clrMapOvr>
+    <a:masterClrMapping/>
+  </p:clrMapOvr>
+</p:sld>
+</file>
+
+<file path=ppt/slides/slide14.xml><?xml version="1.0" encoding="utf-8"?>
+<p:sld xmlns:a="http://schemas.openxmlformats.org/drawingml/2006/main" xmlns:r="http://schemas.openxmlformats.org/officeDocument/2006/relationships" xmlns:p="http://schemas.openxmlformats.org/presentationml/2006/main">
+  <p:cSld>
+    <p:spTree>
+      <p:nvGrpSpPr>
+        <p:cNvPr id="1" name=""/>
+        <p:cNvGrpSpPr/>
+        <p:nvPr/>
+      </p:nvGrpSpPr>
+      <p:grpSpPr/>
+      <p:sp>
+        <p:nvSpPr>
+          <p:cNvPr id="2" name="Title 1"/>
+          <p:cNvSpPr>
+            <a:spLocks noGrp="1"/>
+          </p:cNvSpPr>
+          <p:nvPr>
+            <p:ph type="title"/>
+          </p:nvPr>
+        </p:nvSpPr>
+        <p:spPr/>
+        <p:txBody>
+          <a:bodyPr/>
+          <a:p>
+            <a:r>
+              <a:rPr lang="zh-CN" altLang="en-US">
+                <a:sym typeface="+mn-ea"/>
+              </a:rPr>
+              <a:t>自动类型推导：万能类型（</a:t>
+            </a:r>
+            <a:r>
+              <a:rPr lang="en-US" altLang="zh-CN">
+                <a:sym typeface="+mn-ea"/>
+              </a:rPr>
+              <a:t>decltype(auto)</a:t>
+            </a:r>
+            <a:r>
+              <a:rPr lang="zh-CN" altLang="en-US">
+                <a:sym typeface="+mn-ea"/>
+              </a:rPr>
+              <a:t>）</a:t>
+            </a:r>
+            <a:endParaRPr lang="en-US"/>
+          </a:p>
+        </p:txBody>
+      </p:sp>
+      <p:sp>
+        <p:nvSpPr>
+          <p:cNvPr id="3" name="Content Placeholder 2"/>
+          <p:cNvSpPr>
+            <a:spLocks noGrp="1"/>
+          </p:cNvSpPr>
+          <p:nvPr>
+            <p:ph idx="1"/>
+          </p:nvPr>
+        </p:nvSpPr>
+        <p:spPr/>
+        <p:txBody>
+          <a:bodyPr/>
+          <a:p>
+            <a:r>
+              <a:rPr lang="zh-CN" altLang="en-US"/>
+              <a:t>如果一个表达式，我不知道他是个</a:t>
+            </a:r>
+            <a:r>
+              <a:rPr lang="zh-CN" altLang="en-US">
+                <a:sym typeface="+mn-ea"/>
+              </a:rPr>
+              <a:t>可变</a:t>
+            </a:r>
+            <a:r>
+              <a:rPr lang="zh-CN" altLang="en-US"/>
+              <a:t>引用（</a:t>
+            </a:r>
+            <a:r>
+              <a:rPr lang="en-US" altLang="zh-CN"/>
+              <a:t>int &amp;</a:t>
+            </a:r>
+            <a:r>
+              <a:rPr lang="zh-CN" altLang="en-US"/>
+              <a:t>），常引用（</a:t>
+            </a:r>
+            <a:r>
+              <a:rPr lang="en-US" altLang="zh-CN"/>
+              <a:t>int const &amp;</a:t>
+            </a:r>
+            <a:r>
+              <a:rPr lang="zh-CN" altLang="en-US"/>
+              <a:t>），还是一个右值（</a:t>
+            </a:r>
+            <a:r>
+              <a:rPr lang="en-US" altLang="zh-CN"/>
+              <a:t>int &amp;&amp;</a:t>
+            </a:r>
+            <a:r>
+              <a:rPr lang="zh-CN" altLang="en-US"/>
+              <a:t>）。</a:t>
+            </a:r>
+            <a:endParaRPr lang="zh-CN" altLang="en-US"/>
+          </a:p>
+        </p:txBody>
+      </p:sp>
+    </p:spTree>
+  </p:cSld>
+  <p:clrMapOvr>
+    <a:masterClrMapping/>
+  </p:clrMapOvr>
+</p:sld>
+</file>
+
 <file path=ppt/slides/slide2.xml><?xml version="1.0" encoding="utf-8"?>
 <p:sld xmlns:a="http://schemas.openxmlformats.org/drawingml/2006/main" xmlns:r="http://schemas.openxmlformats.org/officeDocument/2006/relationships" xmlns:p="http://schemas.openxmlformats.org/presentationml/2006/main">
   <p:cSld>
@@ -4248,9 +4920,311 @@
           <a:p>
             <a:r>
               <a:rPr lang="zh-CN" altLang="en-US"/>
-              <a:t>为什么需要模板？</a:t>
-            </a:r>
-            <a:endParaRPr lang="zh-CN" altLang="en-US"/>
+              <a:t>为什么需要自动类型推导（</a:t>
+            </a:r>
+            <a:r>
+              <a:rPr lang="en-US" altLang="zh-CN"/>
+              <a:t>auto</a:t>
+            </a:r>
+            <a:r>
+              <a:rPr lang="zh-CN" altLang="en-US"/>
+              <a:t>）</a:t>
+            </a:r>
+            <a:endParaRPr lang="en-US" altLang="zh-CN"/>
+          </a:p>
+        </p:txBody>
+      </p:sp>
+      <p:pic>
+        <p:nvPicPr>
+          <p:cNvPr id="4" name="Content Placeholder 3"/>
+          <p:cNvPicPr>
+            <a:picLocks noChangeAspect="1"/>
+          </p:cNvPicPr>
+          <p:nvPr>
+            <p:ph idx="1"/>
+          </p:nvPr>
+        </p:nvPicPr>
+        <p:blipFill>
+          <a:blip r:embed="rId1"/>
+          <a:stretch>
+            <a:fillRect/>
+          </a:stretch>
+        </p:blipFill>
+        <p:spPr>
+          <a:xfrm>
+            <a:off x="193675" y="2807335"/>
+            <a:ext cx="11423650" cy="2387600"/>
+          </a:xfrm>
+          <a:prstGeom prst="rect">
+            <a:avLst/>
+          </a:prstGeom>
+        </p:spPr>
+      </p:pic>
+      <p:sp>
+        <p:nvSpPr>
+          <p:cNvPr id="5" name="Text Box 4"/>
+          <p:cNvSpPr txBox="1"/>
+          <p:nvPr/>
+        </p:nvSpPr>
+        <p:spPr>
+          <a:xfrm>
+            <a:off x="2350135" y="1842135"/>
+            <a:ext cx="7651750" cy="368300"/>
+          </a:xfrm>
+          <a:prstGeom prst="rect">
+            <a:avLst/>
+          </a:prstGeom>
+          <a:noFill/>
+        </p:spPr>
+        <p:txBody>
+          <a:bodyPr wrap="square" rtlCol="0">
+            <a:spAutoFit/>
+          </a:bodyPr>
+          <a:p>
+            <a:r>
+              <a:rPr lang="zh-CN" altLang="en-US"/>
+              <a:t>没有</a:t>
+            </a:r>
+            <a:r>
+              <a:rPr lang="en-US" altLang="zh-CN"/>
+              <a:t> auto </a:t>
+            </a:r>
+            <a:r>
+              <a:rPr lang="zh-CN" altLang="en-US"/>
+              <a:t>的话，需要声明一个变量，必须重复一遍他的类型，非常麻烦：</a:t>
+            </a:r>
+            <a:endParaRPr lang="zh-CN" altLang="en-US"/>
+          </a:p>
+        </p:txBody>
+      </p:sp>
+      <p:cxnSp>
+        <p:nvCxnSpPr>
+          <p:cNvPr id="6" name="Straight Connector 5"/>
+          <p:cNvCxnSpPr/>
+          <p:nvPr/>
+        </p:nvCxnSpPr>
+        <p:spPr>
+          <a:xfrm>
+            <a:off x="1163955" y="4925695"/>
+            <a:ext cx="4680585" cy="0"/>
+          </a:xfrm>
+          <a:prstGeom prst="line">
+            <a:avLst/>
+          </a:prstGeom>
+          <a:ln w="31750">
+            <a:solidFill>
+              <a:srgbClr val="FF3300"/>
+            </a:solidFill>
+          </a:ln>
+        </p:spPr>
+        <p:style>
+          <a:lnRef idx="1">
+            <a:schemeClr val="accent1"/>
+          </a:lnRef>
+          <a:fillRef idx="0">
+            <a:schemeClr val="accent1"/>
+          </a:fillRef>
+          <a:effectRef idx="0">
+            <a:schemeClr val="accent1"/>
+          </a:effectRef>
+          <a:fontRef idx="minor">
+            <a:schemeClr val="tx1"/>
+          </a:fontRef>
+        </p:style>
+      </p:cxnSp>
+    </p:spTree>
+  </p:cSld>
+  <p:clrMapOvr>
+    <a:masterClrMapping/>
+  </p:clrMapOvr>
+</p:sld>
+</file>
+
+<file path=ppt/slides/slide4.xml><?xml version="1.0" encoding="utf-8"?>
+<p:sld xmlns:a="http://schemas.openxmlformats.org/drawingml/2006/main" xmlns:r="http://schemas.openxmlformats.org/officeDocument/2006/relationships" xmlns:p="http://schemas.openxmlformats.org/presentationml/2006/main">
+  <p:cSld>
+    <p:spTree>
+      <p:nvGrpSpPr>
+        <p:cNvPr id="1" name=""/>
+        <p:cNvGrpSpPr/>
+        <p:nvPr/>
+      </p:nvGrpSpPr>
+      <p:grpSpPr/>
+      <p:sp>
+        <p:nvSpPr>
+          <p:cNvPr id="2" name="Title 1"/>
+          <p:cNvSpPr>
+            <a:spLocks noGrp="1"/>
+          </p:cNvSpPr>
+          <p:nvPr>
+            <p:ph type="title"/>
+          </p:nvPr>
+        </p:nvSpPr>
+        <p:spPr/>
+        <p:txBody>
+          <a:bodyPr/>
+          <a:p>
+            <a:r>
+              <a:rPr lang="zh-CN" altLang="en-US"/>
+              <a:t>自动类型推导：定义变量</a:t>
+            </a:r>
+            <a:endParaRPr lang="en-US" altLang="zh-CN"/>
+          </a:p>
+        </p:txBody>
+      </p:sp>
+      <p:sp>
+        <p:nvSpPr>
+          <p:cNvPr id="5" name="Text Box 4"/>
+          <p:cNvSpPr txBox="1"/>
+          <p:nvPr/>
+        </p:nvSpPr>
+        <p:spPr>
+          <a:xfrm>
+            <a:off x="1418590" y="1842135"/>
+            <a:ext cx="9514840" cy="368300"/>
+          </a:xfrm>
+          <a:prstGeom prst="rect">
+            <a:avLst/>
+          </a:prstGeom>
+          <a:noFill/>
+        </p:spPr>
+        <p:txBody>
+          <a:bodyPr wrap="square" rtlCol="0">
+            <a:spAutoFit/>
+          </a:bodyPr>
+          <a:p>
+            <a:r>
+              <a:rPr lang="zh-CN" altLang="en-US"/>
+              <a:t>因此</a:t>
+            </a:r>
+            <a:r>
+              <a:rPr lang="en-US" altLang="zh-CN"/>
+              <a:t> C++11 </a:t>
+            </a:r>
+            <a:r>
+              <a:rPr lang="zh-CN" altLang="en-US"/>
+              <a:t>引入了</a:t>
+            </a:r>
+            <a:r>
+              <a:rPr lang="en-US" altLang="zh-CN"/>
+              <a:t> auto</a:t>
+            </a:r>
+            <a:r>
+              <a:rPr lang="zh-CN" altLang="en-US"/>
+              <a:t>，使用</a:t>
+            </a:r>
+            <a:r>
+              <a:rPr lang="en-US" altLang="zh-CN"/>
+              <a:t> auto </a:t>
+            </a:r>
+            <a:r>
+              <a:rPr lang="zh-CN" altLang="en-US"/>
+              <a:t>定义的变量，其类型会自动根据等号右边的值来确定：</a:t>
+            </a:r>
+            <a:endParaRPr lang="zh-CN" altLang="en-US"/>
+          </a:p>
+        </p:txBody>
+      </p:sp>
+      <p:pic>
+        <p:nvPicPr>
+          <p:cNvPr id="6" name="Content Placeholder 5"/>
+          <p:cNvPicPr>
+            <a:picLocks noChangeAspect="1"/>
+          </p:cNvPicPr>
+          <p:nvPr>
+            <p:ph idx="1"/>
+          </p:nvPr>
+        </p:nvPicPr>
+        <p:blipFill>
+          <a:blip r:embed="rId1"/>
+          <a:stretch>
+            <a:fillRect/>
+          </a:stretch>
+        </p:blipFill>
+        <p:spPr>
+          <a:xfrm>
+            <a:off x="2011680" y="2508250"/>
+            <a:ext cx="7787640" cy="2580640"/>
+          </a:xfrm>
+          <a:prstGeom prst="rect">
+            <a:avLst/>
+          </a:prstGeom>
+        </p:spPr>
+      </p:pic>
+      <p:cxnSp>
+        <p:nvCxnSpPr>
+          <p:cNvPr id="10" name="Straight Connector 9"/>
+          <p:cNvCxnSpPr/>
+          <p:nvPr/>
+        </p:nvCxnSpPr>
+        <p:spPr>
+          <a:xfrm>
+            <a:off x="3023870" y="4782820"/>
+            <a:ext cx="521335" cy="10160"/>
+          </a:xfrm>
+          <a:prstGeom prst="line">
+            <a:avLst/>
+          </a:prstGeom>
+          <a:ln w="31750">
+            <a:solidFill>
+              <a:srgbClr val="FF3300"/>
+            </a:solidFill>
+          </a:ln>
+        </p:spPr>
+        <p:style>
+          <a:lnRef idx="1">
+            <a:schemeClr val="accent1"/>
+          </a:lnRef>
+          <a:fillRef idx="0">
+            <a:schemeClr val="accent1"/>
+          </a:fillRef>
+          <a:effectRef idx="0">
+            <a:schemeClr val="accent1"/>
+          </a:effectRef>
+          <a:fontRef idx="minor">
+            <a:schemeClr val="tx1"/>
+          </a:fontRef>
+        </p:style>
+      </p:cxnSp>
+    </p:spTree>
+  </p:cSld>
+  <p:clrMapOvr>
+    <a:masterClrMapping/>
+  </p:clrMapOvr>
+</p:sld>
+</file>
+
+<file path=ppt/slides/slide5.xml><?xml version="1.0" encoding="utf-8"?>
+<p:sld xmlns:a="http://schemas.openxmlformats.org/drawingml/2006/main" xmlns:r="http://schemas.openxmlformats.org/officeDocument/2006/relationships" xmlns:p="http://schemas.openxmlformats.org/presentationml/2006/main">
+  <p:cSld>
+    <p:spTree>
+      <p:nvGrpSpPr>
+        <p:cNvPr id="1" name=""/>
+        <p:cNvGrpSpPr/>
+        <p:nvPr/>
+      </p:nvGrpSpPr>
+      <p:grpSpPr/>
+      <p:sp>
+        <p:nvSpPr>
+          <p:cNvPr id="2" name="Title 1"/>
+          <p:cNvSpPr>
+            <a:spLocks noGrp="1"/>
+          </p:cNvSpPr>
+          <p:nvPr>
+            <p:ph type="title"/>
+          </p:nvPr>
+        </p:nvSpPr>
+        <p:spPr/>
+        <p:txBody>
+          <a:bodyPr/>
+          <a:p>
+            <a:r>
+              <a:rPr lang="zh-CN" altLang="en-US">
+                <a:sym typeface="+mn-ea"/>
+              </a:rPr>
+              <a:t>自动类型推导：一些局限性</a:t>
+            </a:r>
+            <a:endParaRPr lang="en-US"/>
           </a:p>
         </p:txBody>
       </p:sp>
@@ -4268,10 +5242,1343 @@
         <p:txBody>
           <a:bodyPr/>
           <a:p>
+            <a:r>
+              <a:rPr lang="zh-CN" altLang="en-US"/>
+              <a:t>不过</a:t>
+            </a:r>
+            <a:r>
+              <a:rPr lang="en-US" altLang="zh-CN"/>
+              <a:t> auto </a:t>
+            </a:r>
+            <a:r>
+              <a:rPr lang="zh-CN" altLang="en-US"/>
+              <a:t>也并非万能，他也有很多限制。</a:t>
+            </a:r>
+            <a:endParaRPr lang="zh-CN" altLang="en-US"/>
+          </a:p>
+          <a:p>
+            <a:r>
+              <a:rPr lang="zh-CN">
+                <a:sym typeface="+mn-ea"/>
+              </a:rPr>
+              <a:t>因为需要等号右边的类型信息，所以没有</a:t>
+            </a:r>
+            <a:r>
+              <a:rPr lang="en-US" altLang="zh-CN">
+                <a:sym typeface="+mn-ea"/>
+              </a:rPr>
+              <a:t> = </a:t>
+            </a:r>
+            <a:r>
+              <a:rPr lang="zh-CN" altLang="en-US">
+                <a:sym typeface="+mn-ea"/>
+              </a:rPr>
+              <a:t>单独声明一个</a:t>
+            </a:r>
+            <a:r>
+              <a:rPr lang="en-US" altLang="zh-CN">
+                <a:sym typeface="+mn-ea"/>
+              </a:rPr>
+              <a:t> auto </a:t>
+            </a:r>
+            <a:r>
+              <a:rPr lang="zh-CN" altLang="en-US">
+                <a:sym typeface="+mn-ea"/>
+              </a:rPr>
+              <a:t>变量是不行的：</a:t>
+            </a:r>
+            <a:endParaRPr lang="zh-CN" altLang="en-US"/>
+          </a:p>
+          <a:p>
+            <a:endParaRPr lang="zh-CN" altLang="en-US"/>
+          </a:p>
+          <a:p>
+            <a:endParaRPr lang="zh-CN" altLang="en-US"/>
+          </a:p>
+          <a:p>
+            <a:endParaRPr lang="zh-CN" altLang="en-US"/>
+          </a:p>
+          <a:p>
+            <a:endParaRPr lang="zh-CN" altLang="en-US"/>
+          </a:p>
+          <a:p>
+            <a:r>
+              <a:rPr lang="zh-CN" altLang="en-US"/>
+              <a:t>而且，类成员也不可以定义为</a:t>
+            </a:r>
+            <a:r>
+              <a:rPr lang="en-US" altLang="zh-CN"/>
+              <a:t> auto</a:t>
+            </a:r>
+            <a:r>
+              <a:rPr lang="zh-CN" altLang="en-US"/>
+              <a:t>：</a:t>
+            </a:r>
+            <a:endParaRPr lang="zh-CN" altLang="en-US"/>
+          </a:p>
+        </p:txBody>
+      </p:sp>
+      <p:pic>
+        <p:nvPicPr>
+          <p:cNvPr id="4" name="Picture 3"/>
+          <p:cNvPicPr>
+            <a:picLocks noChangeAspect="1"/>
+          </p:cNvPicPr>
+          <p:nvPr/>
+        </p:nvPicPr>
+        <p:blipFill>
+          <a:blip r:embed="rId1"/>
+          <a:stretch>
+            <a:fillRect/>
+          </a:stretch>
+        </p:blipFill>
+        <p:spPr>
+          <a:xfrm>
+            <a:off x="2505710" y="2943860"/>
+            <a:ext cx="7180580" cy="849630"/>
+          </a:xfrm>
+          <a:prstGeom prst="rect">
+            <a:avLst/>
+          </a:prstGeom>
+        </p:spPr>
+      </p:pic>
+      <p:pic>
+        <p:nvPicPr>
+          <p:cNvPr id="5" name="Picture 4"/>
+          <p:cNvPicPr>
+            <a:picLocks noChangeAspect="1"/>
+          </p:cNvPicPr>
+          <p:nvPr/>
+        </p:nvPicPr>
+        <p:blipFill>
+          <a:blip r:embed="rId2"/>
+          <a:stretch>
+            <a:fillRect/>
+          </a:stretch>
+        </p:blipFill>
+        <p:spPr>
+          <a:xfrm>
+            <a:off x="3418840" y="4743450"/>
+            <a:ext cx="5193030" cy="1120775"/>
+          </a:xfrm>
+          <a:prstGeom prst="rect">
+            <a:avLst/>
+          </a:prstGeom>
+        </p:spPr>
+      </p:pic>
+    </p:spTree>
+  </p:cSld>
+  <p:clrMapOvr>
+    <a:masterClrMapping/>
+  </p:clrMapOvr>
+</p:sld>
+</file>
+
+<file path=ppt/slides/slide6.xml><?xml version="1.0" encoding="utf-8"?>
+<p:sld xmlns:a="http://schemas.openxmlformats.org/drawingml/2006/main" xmlns:r="http://schemas.openxmlformats.org/officeDocument/2006/relationships" xmlns:p="http://schemas.openxmlformats.org/presentationml/2006/main">
+  <p:cSld>
+    <p:spTree>
+      <p:nvGrpSpPr>
+        <p:cNvPr id="1" name=""/>
+        <p:cNvGrpSpPr/>
+        <p:nvPr/>
+      </p:nvGrpSpPr>
+      <p:grpSpPr/>
+      <p:sp>
+        <p:nvSpPr>
+          <p:cNvPr id="2" name="Title 1"/>
+          <p:cNvSpPr>
+            <a:spLocks noGrp="1"/>
+          </p:cNvSpPr>
+          <p:nvPr>
+            <p:ph type="title"/>
+          </p:nvPr>
+        </p:nvSpPr>
+        <p:spPr/>
+        <p:txBody>
+          <a:bodyPr/>
+          <a:p>
+            <a:r>
+              <a:rPr lang="zh-CN" altLang="en-US">
+                <a:sym typeface="+mn-ea"/>
+              </a:rPr>
+              <a:t>自动类型推导：函数返回值</a:t>
+            </a:r>
             <a:endParaRPr lang="en-US"/>
           </a:p>
         </p:txBody>
       </p:sp>
+      <p:sp>
+        <p:nvSpPr>
+          <p:cNvPr id="3" name="Content Placeholder 2"/>
+          <p:cNvSpPr>
+            <a:spLocks noGrp="1"/>
+          </p:cNvSpPr>
+          <p:nvPr>
+            <p:ph idx="1"/>
+          </p:nvPr>
+        </p:nvSpPr>
+        <p:spPr>
+          <a:xfrm>
+            <a:off x="647700" y="1713230"/>
+            <a:ext cx="10515600" cy="4668520"/>
+          </a:xfrm>
+        </p:spPr>
+        <p:txBody>
+          <a:bodyPr>
+            <a:normAutofit lnSpcReduction="10000"/>
+          </a:bodyPr>
+          <a:p>
+            <a:r>
+              <a:rPr lang="zh-CN" altLang="en-US"/>
+              <a:t>除了可以用于定义变量，还可以用作函数的返回类型：</a:t>
+            </a:r>
+            <a:endParaRPr lang="en-US"/>
+          </a:p>
+          <a:p>
+            <a:endParaRPr lang="en-US"/>
+          </a:p>
+          <a:p>
+            <a:endParaRPr lang="en-US"/>
+          </a:p>
+          <a:p>
+            <a:endParaRPr lang="en-US"/>
+          </a:p>
+          <a:p>
+            <a:endParaRPr lang="en-US"/>
+          </a:p>
+          <a:p>
+            <a:endParaRPr lang="en-US"/>
+          </a:p>
+          <a:p>
+            <a:endParaRPr lang="en-US"/>
+          </a:p>
+          <a:p>
+            <a:r>
+              <a:rPr lang="zh-CN" altLang="en-US"/>
+              <a:t>使用</a:t>
+            </a:r>
+            <a:r>
+              <a:rPr lang="en-US" altLang="zh-CN"/>
+              <a:t> auto </a:t>
+            </a:r>
+            <a:r>
+              <a:rPr lang="zh-CN" altLang="en-US"/>
+              <a:t>以后，会自动被推导为</a:t>
+            </a:r>
+            <a:r>
+              <a:rPr lang="en-US" altLang="zh-CN"/>
+              <a:t> return </a:t>
+            </a:r>
+            <a:r>
+              <a:rPr lang="zh-CN" altLang="en-US"/>
+              <a:t>右边的类型。</a:t>
+            </a:r>
+            <a:endParaRPr lang="zh-CN" altLang="en-US"/>
+          </a:p>
+          <a:p>
+            <a:r>
+              <a:rPr lang="zh-CN" altLang="en-US"/>
+              <a:t>不过也有三点注意事项：</a:t>
+            </a:r>
+            <a:endParaRPr lang="en-US"/>
+          </a:p>
+          <a:p>
+            <a:pPr marL="457200" indent="-457200">
+              <a:buAutoNum type="arabicPeriod"/>
+            </a:pPr>
+            <a:r>
+              <a:rPr lang="zh-CN" altLang="en-US"/>
+              <a:t>当函数有多条</a:t>
+            </a:r>
+            <a:r>
+              <a:rPr lang="en-US" altLang="zh-CN"/>
+              <a:t> return </a:t>
+            </a:r>
+            <a:r>
+              <a:rPr lang="zh-CN" altLang="en-US"/>
+              <a:t>语句时，所有语句的返回类型</a:t>
+            </a:r>
+            <a:r>
+              <a:rPr lang="zh-CN" altLang="en-US" b="1"/>
+              <a:t>必须一致</a:t>
+            </a:r>
+            <a:r>
+              <a:rPr lang="zh-CN" altLang="en-US"/>
+              <a:t>，否则</a:t>
+            </a:r>
+            <a:r>
+              <a:rPr lang="en-US" altLang="zh-CN"/>
+              <a:t> auto </a:t>
+            </a:r>
+            <a:r>
+              <a:rPr lang="zh-CN" altLang="en-US"/>
+              <a:t>会报错。</a:t>
+            </a:r>
+            <a:endParaRPr lang="zh-CN" altLang="en-US"/>
+          </a:p>
+          <a:p>
+            <a:pPr marL="457200" indent="-457200">
+              <a:buAutoNum type="arabicPeriod"/>
+            </a:pPr>
+            <a:r>
+              <a:rPr lang="zh-CN" altLang="en-US"/>
+              <a:t>当函数没有</a:t>
+            </a:r>
+            <a:r>
+              <a:rPr lang="en-US" altLang="zh-CN"/>
+              <a:t> return </a:t>
+            </a:r>
+            <a:r>
+              <a:rPr lang="zh-CN" altLang="en-US"/>
+              <a:t>语句时，</a:t>
+            </a:r>
+            <a:r>
+              <a:rPr lang="en-US" altLang="zh-CN"/>
+              <a:t>auto </a:t>
+            </a:r>
+            <a:r>
+              <a:rPr lang="zh-CN" altLang="en-US"/>
+              <a:t>会被</a:t>
+            </a:r>
+            <a:r>
+              <a:rPr lang="zh-CN" altLang="en-US" b="1"/>
+              <a:t>推导为</a:t>
+            </a:r>
+            <a:r>
+              <a:rPr lang="en-US" altLang="zh-CN" b="1"/>
+              <a:t> void</a:t>
+            </a:r>
+            <a:r>
+              <a:rPr lang="zh-CN" altLang="en-US"/>
+              <a:t>。</a:t>
+            </a:r>
+            <a:endParaRPr lang="zh-CN" altLang="en-US"/>
+          </a:p>
+          <a:p>
+            <a:pPr marL="457200" indent="-457200">
+              <a:buAutoNum type="arabicPeriod"/>
+            </a:pPr>
+            <a:r>
+              <a:rPr lang="zh-CN" altLang="en-US"/>
+              <a:t>如果</a:t>
+            </a:r>
+            <a:r>
+              <a:rPr lang="zh-CN" altLang="en-US" b="1"/>
+              <a:t>声明和实现分离</a:t>
+            </a:r>
+            <a:r>
+              <a:rPr lang="zh-CN" altLang="en-US"/>
+              <a:t>了，则不能声明为</a:t>
+            </a:r>
+            <a:r>
+              <a:rPr lang="en-US" altLang="zh-CN"/>
+              <a:t> auto</a:t>
+            </a:r>
+            <a:r>
+              <a:rPr lang="zh-CN" altLang="en-US"/>
+              <a:t>。比如：</a:t>
+            </a:r>
+            <a:r>
+              <a:rPr lang="en-US" altLang="zh-CN">
+                <a:solidFill>
+                  <a:schemeClr val="accent1">
+                    <a:lumMod val="75000"/>
+                  </a:schemeClr>
+                </a:solidFill>
+              </a:rPr>
+              <a:t>auto func();</a:t>
+            </a:r>
+            <a:r>
+              <a:rPr lang="en-US" altLang="zh-CN"/>
+              <a:t> </a:t>
+            </a:r>
+            <a:r>
+              <a:rPr lang="en-US" altLang="zh-CN">
+                <a:solidFill>
+                  <a:schemeClr val="accent6">
+                    <a:lumMod val="75000"/>
+                  </a:schemeClr>
+                </a:solidFill>
+              </a:rPr>
+              <a:t>// </a:t>
+            </a:r>
+            <a:r>
+              <a:rPr lang="zh-CN" altLang="en-US">
+                <a:solidFill>
+                  <a:schemeClr val="accent6">
+                    <a:lumMod val="75000"/>
+                  </a:schemeClr>
+                </a:solidFill>
+              </a:rPr>
+              <a:t>错误</a:t>
+            </a:r>
+            <a:endParaRPr lang="zh-CN" altLang="en-US">
+              <a:solidFill>
+                <a:schemeClr val="accent6">
+                  <a:lumMod val="75000"/>
+                </a:schemeClr>
+              </a:solidFill>
+            </a:endParaRPr>
+          </a:p>
+        </p:txBody>
+      </p:sp>
+      <p:pic>
+        <p:nvPicPr>
+          <p:cNvPr id="4" name="Picture 3"/>
+          <p:cNvPicPr>
+            <a:picLocks noChangeAspect="1"/>
+          </p:cNvPicPr>
+          <p:nvPr/>
+        </p:nvPicPr>
+        <p:blipFill>
+          <a:blip r:embed="rId1"/>
+          <a:stretch>
+            <a:fillRect/>
+          </a:stretch>
+        </p:blipFill>
+        <p:spPr>
+          <a:xfrm>
+            <a:off x="3109595" y="2120900"/>
+            <a:ext cx="5972175" cy="2105025"/>
+          </a:xfrm>
+          <a:prstGeom prst="rect">
+            <a:avLst/>
+          </a:prstGeom>
+        </p:spPr>
+      </p:pic>
+    </p:spTree>
+  </p:cSld>
+  <p:clrMapOvr>
+    <a:masterClrMapping/>
+  </p:clrMapOvr>
+</p:sld>
+</file>
+
+<file path=ppt/slides/slide7.xml><?xml version="1.0" encoding="utf-8"?>
+<p:sld xmlns:a="http://schemas.openxmlformats.org/drawingml/2006/main" xmlns:r="http://schemas.openxmlformats.org/officeDocument/2006/relationships" xmlns:p="http://schemas.openxmlformats.org/presentationml/2006/main">
+  <p:cSld>
+    <p:spTree>
+      <p:nvGrpSpPr>
+        <p:cNvPr id="1" name=""/>
+        <p:cNvGrpSpPr/>
+        <p:nvPr/>
+      </p:nvGrpSpPr>
+      <p:grpSpPr/>
+      <p:sp>
+        <p:nvSpPr>
+          <p:cNvPr id="2" name="Title 1"/>
+          <p:cNvSpPr>
+            <a:spLocks noGrp="1"/>
+          </p:cNvSpPr>
+          <p:nvPr>
+            <p:ph type="title"/>
+          </p:nvPr>
+        </p:nvSpPr>
+        <p:spPr/>
+        <p:txBody>
+          <a:bodyPr/>
+          <a:p>
+            <a:r>
+              <a:rPr lang="en-US" altLang="zh-CN">
+                <a:sym typeface="+mn-ea"/>
+              </a:rPr>
+              <a:t>C++</a:t>
+            </a:r>
+            <a:r>
+              <a:rPr lang="zh-CN" altLang="en-US">
+                <a:sym typeface="+mn-ea"/>
+              </a:rPr>
+              <a:t>特性：引用（</a:t>
+            </a:r>
+            <a:r>
+              <a:rPr lang="en-US" altLang="zh-CN">
+                <a:sym typeface="+mn-ea"/>
+              </a:rPr>
+              <a:t>int</a:t>
+            </a:r>
+            <a:r>
+              <a:rPr lang="en-US" altLang="zh-CN">
+                <a:sym typeface="+mn-ea"/>
+              </a:rPr>
+              <a:t> &amp;</a:t>
+            </a:r>
+            <a:r>
+              <a:rPr lang="zh-CN" altLang="en-US">
+                <a:sym typeface="+mn-ea"/>
+              </a:rPr>
+              <a:t>）</a:t>
+            </a:r>
+            <a:endParaRPr lang="en-US"/>
+          </a:p>
+        </p:txBody>
+      </p:sp>
+      <p:sp>
+        <p:nvSpPr>
+          <p:cNvPr id="3" name="Content Placeholder 2"/>
+          <p:cNvSpPr>
+            <a:spLocks noGrp="1"/>
+          </p:cNvSpPr>
+          <p:nvPr>
+            <p:ph idx="1"/>
+          </p:nvPr>
+        </p:nvSpPr>
+        <p:spPr/>
+        <p:txBody>
+          <a:bodyPr/>
+          <a:p>
+            <a:r>
+              <a:rPr lang="zh-CN" altLang="en-US"/>
+              <a:t>众所周知，</a:t>
+            </a:r>
+            <a:r>
+              <a:rPr lang="en-US" altLang="zh-CN"/>
+              <a:t>C++ </a:t>
+            </a:r>
+            <a:r>
+              <a:rPr lang="zh-CN" altLang="en-US"/>
+              <a:t>中有一种特殊的类型，叫做</a:t>
+            </a:r>
+            <a:r>
+              <a:rPr lang="zh-CN" altLang="en-US" b="1"/>
+              <a:t>引用</a:t>
+            </a:r>
+            <a:r>
+              <a:rPr lang="zh-CN" altLang="en-US"/>
+              <a:t>。只需要在原类型后面加一个</a:t>
+            </a:r>
+            <a:r>
+              <a:rPr lang="en-US" altLang="zh-CN"/>
+              <a:t> &amp; </a:t>
+            </a:r>
+            <a:r>
+              <a:rPr lang="zh-CN" altLang="en-US"/>
+              <a:t>即可。</a:t>
+            </a:r>
+            <a:endParaRPr lang="zh-CN" altLang="en-US"/>
+          </a:p>
+          <a:p>
+            <a:r>
+              <a:rPr lang="zh-CN" altLang="en-US"/>
+              <a:t>引用的本质无非是</a:t>
+            </a:r>
+            <a:r>
+              <a:rPr lang="zh-CN" altLang="en-US" b="1"/>
+              <a:t>指针</a:t>
+            </a:r>
+            <a:r>
+              <a:rPr lang="zh-CN" altLang="en-US"/>
+              <a:t>，当我们试图修改一个引用时，实际上是修改了原来的对象：</a:t>
+            </a:r>
+            <a:endParaRPr lang="zh-CN" altLang="en-US"/>
+          </a:p>
+        </p:txBody>
+      </p:sp>
+      <p:pic>
+        <p:nvPicPr>
+          <p:cNvPr id="5" name="Picture 4"/>
+          <p:cNvPicPr>
+            <a:picLocks noChangeAspect="1"/>
+          </p:cNvPicPr>
+          <p:nvPr/>
+        </p:nvPicPr>
+        <p:blipFill>
+          <a:blip r:embed="rId1"/>
+          <a:stretch>
+            <a:fillRect/>
+          </a:stretch>
+        </p:blipFill>
+        <p:spPr>
+          <a:xfrm>
+            <a:off x="803275" y="2711450"/>
+            <a:ext cx="4657725" cy="3108960"/>
+          </a:xfrm>
+          <a:prstGeom prst="rect">
+            <a:avLst/>
+          </a:prstGeom>
+        </p:spPr>
+      </p:pic>
+      <p:pic>
+        <p:nvPicPr>
+          <p:cNvPr id="6" name="Picture 5"/>
+          <p:cNvPicPr>
+            <a:picLocks noChangeAspect="1"/>
+          </p:cNvPicPr>
+          <p:nvPr/>
+        </p:nvPicPr>
+        <p:blipFill>
+          <a:blip r:embed="rId2"/>
+          <a:stretch>
+            <a:fillRect/>
+          </a:stretch>
+        </p:blipFill>
+        <p:spPr>
+          <a:xfrm>
+            <a:off x="6573520" y="2711450"/>
+            <a:ext cx="4742815" cy="3108960"/>
+          </a:xfrm>
+          <a:prstGeom prst="rect">
+            <a:avLst/>
+          </a:prstGeom>
+        </p:spPr>
+      </p:pic>
+      <p:sp>
+        <p:nvSpPr>
+          <p:cNvPr id="7" name="Text Box 6"/>
+          <p:cNvSpPr txBox="1"/>
+          <p:nvPr/>
+        </p:nvSpPr>
+        <p:spPr>
+          <a:xfrm>
+            <a:off x="5528945" y="4051300"/>
+            <a:ext cx="972820" cy="368300"/>
+          </a:xfrm>
+          <a:prstGeom prst="rect">
+            <a:avLst/>
+          </a:prstGeom>
+          <a:noFill/>
+        </p:spPr>
+        <p:txBody>
+          <a:bodyPr wrap="square" rtlCol="0">
+            <a:spAutoFit/>
+          </a:bodyPr>
+          <a:p>
+            <a:r>
+              <a:rPr lang="zh-CN" altLang="en-US"/>
+              <a:t>等价于：</a:t>
+            </a:r>
+            <a:endParaRPr lang="zh-CN" altLang="en-US"/>
+          </a:p>
+        </p:txBody>
+      </p:sp>
+      <p:pic>
+        <p:nvPicPr>
+          <p:cNvPr id="8" name="Picture 7"/>
+          <p:cNvPicPr>
+            <a:picLocks noChangeAspect="1"/>
+          </p:cNvPicPr>
+          <p:nvPr/>
+        </p:nvPicPr>
+        <p:blipFill>
+          <a:blip r:embed="rId3"/>
+          <a:stretch>
+            <a:fillRect/>
+          </a:stretch>
+        </p:blipFill>
+        <p:spPr>
+          <a:xfrm>
+            <a:off x="5550535" y="6177280"/>
+            <a:ext cx="710565" cy="680720"/>
+          </a:xfrm>
+          <a:prstGeom prst="rect">
+            <a:avLst/>
+          </a:prstGeom>
+        </p:spPr>
+      </p:pic>
+      <p:sp>
+        <p:nvSpPr>
+          <p:cNvPr id="9" name="Text Box 8"/>
+          <p:cNvSpPr txBox="1"/>
+          <p:nvPr/>
+        </p:nvSpPr>
+        <p:spPr>
+          <a:xfrm>
+            <a:off x="7234555" y="5820410"/>
+            <a:ext cx="3075940" cy="645160"/>
+          </a:xfrm>
+          <a:prstGeom prst="rect">
+            <a:avLst/>
+          </a:prstGeom>
+          <a:noFill/>
+        </p:spPr>
+        <p:txBody>
+          <a:bodyPr wrap="square" rtlCol="0">
+            <a:spAutoFit/>
+          </a:bodyPr>
+          <a:p>
+            <a:r>
+              <a:rPr lang="zh-CN" altLang="en-US">
+                <a:solidFill>
+                  <a:schemeClr val="bg1">
+                    <a:lumMod val="50000"/>
+                  </a:schemeClr>
+                </a:solidFill>
+              </a:rPr>
+              <a:t>可见，和</a:t>
+            </a:r>
+            <a:r>
+              <a:rPr lang="en-US" altLang="zh-CN">
+                <a:solidFill>
+                  <a:schemeClr val="bg1">
+                    <a:lumMod val="50000"/>
+                  </a:schemeClr>
+                </a:solidFill>
+              </a:rPr>
+              <a:t>C</a:t>
+            </a:r>
+            <a:r>
+              <a:rPr lang="zh-CN" altLang="en-US">
+                <a:solidFill>
+                  <a:schemeClr val="bg1">
+                    <a:lumMod val="50000"/>
+                  </a:schemeClr>
+                </a:solidFill>
+              </a:rPr>
+              <a:t>语言的</a:t>
+            </a:r>
+            <a:r>
+              <a:rPr lang="en-US" altLang="zh-CN">
+                <a:solidFill>
+                  <a:schemeClr val="bg1">
+                    <a:lumMod val="50000"/>
+                  </a:schemeClr>
+                </a:solidFill>
+              </a:rPr>
+              <a:t>int *</a:t>
+            </a:r>
+            <a:r>
+              <a:rPr lang="zh-CN" altLang="en-US">
+                <a:solidFill>
+                  <a:schemeClr val="bg1">
+                    <a:lumMod val="50000"/>
+                  </a:schemeClr>
+                </a:solidFill>
+              </a:rPr>
+              <a:t>相比无非是减少了</a:t>
+            </a:r>
+            <a:r>
+              <a:rPr lang="en-US" altLang="zh-CN">
+                <a:solidFill>
+                  <a:schemeClr val="bg1">
+                    <a:lumMod val="50000"/>
+                  </a:schemeClr>
+                </a:solidFill>
+              </a:rPr>
+              <a:t>&amp;</a:t>
+            </a:r>
+            <a:r>
+              <a:rPr lang="zh-CN" altLang="en-US">
+                <a:solidFill>
+                  <a:schemeClr val="bg1">
+                    <a:lumMod val="50000"/>
+                  </a:schemeClr>
+                </a:solidFill>
+              </a:rPr>
+              <a:t>和</a:t>
+            </a:r>
+            <a:r>
+              <a:rPr lang="en-US" altLang="zh-CN">
+                <a:solidFill>
+                  <a:schemeClr val="bg1">
+                    <a:lumMod val="50000"/>
+                  </a:schemeClr>
+                </a:solidFill>
+              </a:rPr>
+              <a:t>*</a:t>
+            </a:r>
+            <a:r>
+              <a:rPr lang="zh-CN" altLang="en-US">
+                <a:solidFill>
+                  <a:schemeClr val="bg1">
+                    <a:lumMod val="50000"/>
+                  </a:schemeClr>
+                </a:solidFill>
+              </a:rPr>
+              <a:t>的麻烦而已。</a:t>
+            </a:r>
+            <a:endParaRPr lang="zh-CN" altLang="en-US">
+              <a:solidFill>
+                <a:schemeClr val="bg1">
+                  <a:lumMod val="50000"/>
+                </a:schemeClr>
+              </a:solidFill>
+            </a:endParaRPr>
+          </a:p>
+        </p:txBody>
+      </p:sp>
+      <p:cxnSp>
+        <p:nvCxnSpPr>
+          <p:cNvPr id="10" name="Straight Connector 9"/>
+          <p:cNvCxnSpPr/>
+          <p:nvPr/>
+        </p:nvCxnSpPr>
+        <p:spPr>
+          <a:xfrm>
+            <a:off x="9431655" y="5559425"/>
+            <a:ext cx="184150" cy="10160"/>
+          </a:xfrm>
+          <a:prstGeom prst="line">
+            <a:avLst/>
+          </a:prstGeom>
+          <a:ln w="34925">
+            <a:solidFill>
+              <a:srgbClr val="FF3300"/>
+            </a:solidFill>
+          </a:ln>
+        </p:spPr>
+        <p:style>
+          <a:lnRef idx="1">
+            <a:schemeClr val="accent1"/>
+          </a:lnRef>
+          <a:fillRef idx="0">
+            <a:schemeClr val="accent1"/>
+          </a:fillRef>
+          <a:effectRef idx="0">
+            <a:schemeClr val="accent1"/>
+          </a:effectRef>
+          <a:fontRef idx="minor">
+            <a:schemeClr val="tx1"/>
+          </a:fontRef>
+        </p:style>
+      </p:cxnSp>
+      <p:cxnSp>
+        <p:nvCxnSpPr>
+          <p:cNvPr id="11" name="Straight Connector 10"/>
+          <p:cNvCxnSpPr/>
+          <p:nvPr/>
+        </p:nvCxnSpPr>
+        <p:spPr>
+          <a:xfrm>
+            <a:off x="7535545" y="4685030"/>
+            <a:ext cx="184150" cy="10160"/>
+          </a:xfrm>
+          <a:prstGeom prst="line">
+            <a:avLst/>
+          </a:prstGeom>
+          <a:ln w="34925">
+            <a:solidFill>
+              <a:srgbClr val="FF3300"/>
+            </a:solidFill>
+          </a:ln>
+        </p:spPr>
+        <p:style>
+          <a:lnRef idx="1">
+            <a:schemeClr val="accent1"/>
+          </a:lnRef>
+          <a:fillRef idx="0">
+            <a:schemeClr val="accent1"/>
+          </a:fillRef>
+          <a:effectRef idx="0">
+            <a:schemeClr val="accent1"/>
+          </a:effectRef>
+          <a:fontRef idx="minor">
+            <a:schemeClr val="tx1"/>
+          </a:fontRef>
+        </p:style>
+      </p:cxnSp>
+      <p:cxnSp>
+        <p:nvCxnSpPr>
+          <p:cNvPr id="12" name="Straight Connector 11"/>
+          <p:cNvCxnSpPr/>
+          <p:nvPr/>
+        </p:nvCxnSpPr>
+        <p:spPr>
+          <a:xfrm>
+            <a:off x="8903970" y="4419600"/>
+            <a:ext cx="184150" cy="10160"/>
+          </a:xfrm>
+          <a:prstGeom prst="line">
+            <a:avLst/>
+          </a:prstGeom>
+          <a:ln w="34925">
+            <a:solidFill>
+              <a:srgbClr val="FF3300"/>
+            </a:solidFill>
+          </a:ln>
+        </p:spPr>
+        <p:style>
+          <a:lnRef idx="1">
+            <a:schemeClr val="accent1"/>
+          </a:lnRef>
+          <a:fillRef idx="0">
+            <a:schemeClr val="accent1"/>
+          </a:fillRef>
+          <a:effectRef idx="0">
+            <a:schemeClr val="accent1"/>
+          </a:effectRef>
+          <a:fontRef idx="minor">
+            <a:schemeClr val="tx1"/>
+          </a:fontRef>
+        </p:style>
+      </p:cxnSp>
+      <p:cxnSp>
+        <p:nvCxnSpPr>
+          <p:cNvPr id="13" name="Straight Connector 12"/>
+          <p:cNvCxnSpPr/>
+          <p:nvPr/>
+        </p:nvCxnSpPr>
+        <p:spPr>
+          <a:xfrm>
+            <a:off x="2245995" y="4378960"/>
+            <a:ext cx="184150" cy="10160"/>
+          </a:xfrm>
+          <a:prstGeom prst="line">
+            <a:avLst/>
+          </a:prstGeom>
+          <a:ln w="34925">
+            <a:solidFill>
+              <a:srgbClr val="FF3300"/>
+            </a:solidFill>
+          </a:ln>
+        </p:spPr>
+        <p:style>
+          <a:lnRef idx="1">
+            <a:schemeClr val="accent1"/>
+          </a:lnRef>
+          <a:fillRef idx="0">
+            <a:schemeClr val="accent1"/>
+          </a:fillRef>
+          <a:effectRef idx="0">
+            <a:schemeClr val="accent1"/>
+          </a:effectRef>
+          <a:fontRef idx="minor">
+            <a:schemeClr val="tx1"/>
+          </a:fontRef>
+        </p:style>
+      </p:cxnSp>
+      <p:cxnSp>
+        <p:nvCxnSpPr>
+          <p:cNvPr id="14" name="Straight Connector 13"/>
+          <p:cNvCxnSpPr/>
+          <p:nvPr/>
+        </p:nvCxnSpPr>
+        <p:spPr>
+          <a:xfrm>
+            <a:off x="8034655" y="4389120"/>
+            <a:ext cx="184150" cy="10160"/>
+          </a:xfrm>
+          <a:prstGeom prst="line">
+            <a:avLst/>
+          </a:prstGeom>
+          <a:ln w="34925">
+            <a:solidFill>
+              <a:srgbClr val="FF3300"/>
+            </a:solidFill>
+          </a:ln>
+        </p:spPr>
+        <p:style>
+          <a:lnRef idx="1">
+            <a:schemeClr val="accent1"/>
+          </a:lnRef>
+          <a:fillRef idx="0">
+            <a:schemeClr val="accent1"/>
+          </a:fillRef>
+          <a:effectRef idx="0">
+            <a:schemeClr val="accent1"/>
+          </a:effectRef>
+          <a:fontRef idx="minor">
+            <a:schemeClr val="tx1"/>
+          </a:fontRef>
+        </p:style>
+      </p:cxnSp>
+    </p:spTree>
+  </p:cSld>
+  <p:clrMapOvr>
+    <a:masterClrMapping/>
+  </p:clrMapOvr>
+</p:sld>
+</file>
+
+<file path=ppt/slides/slide8.xml><?xml version="1.0" encoding="utf-8"?>
+<p:sld xmlns:a="http://schemas.openxmlformats.org/drawingml/2006/main" xmlns:r="http://schemas.openxmlformats.org/officeDocument/2006/relationships" xmlns:p="http://schemas.openxmlformats.org/presentationml/2006/main">
+  <p:cSld>
+    <p:spTree>
+      <p:nvGrpSpPr>
+        <p:cNvPr id="1" name=""/>
+        <p:cNvGrpSpPr/>
+        <p:nvPr/>
+      </p:nvGrpSpPr>
+      <p:grpSpPr/>
+      <p:sp>
+        <p:nvSpPr>
+          <p:cNvPr id="2" name="Title 1"/>
+          <p:cNvSpPr>
+            <a:spLocks noGrp="1"/>
+          </p:cNvSpPr>
+          <p:nvPr>
+            <p:ph type="title"/>
+          </p:nvPr>
+        </p:nvSpPr>
+        <p:spPr/>
+        <p:txBody>
+          <a:bodyPr/>
+          <a:p>
+            <a:r>
+              <a:rPr lang="en-US" altLang="zh-CN">
+                <a:sym typeface="+mn-ea"/>
+              </a:rPr>
+              <a:t>C++</a:t>
+            </a:r>
+            <a:r>
+              <a:rPr lang="zh-CN" altLang="en-US">
+                <a:sym typeface="+mn-ea"/>
+              </a:rPr>
+              <a:t>特性：常引用（</a:t>
+            </a:r>
+            <a:r>
+              <a:rPr lang="en-US" altLang="zh-CN">
+                <a:sym typeface="+mn-ea"/>
+              </a:rPr>
+              <a:t>int const</a:t>
+            </a:r>
+            <a:r>
+              <a:rPr lang="en-US" altLang="zh-CN">
+                <a:sym typeface="+mn-ea"/>
+              </a:rPr>
+              <a:t> &amp;</a:t>
+            </a:r>
+            <a:r>
+              <a:rPr lang="zh-CN" altLang="en-US">
+                <a:sym typeface="+mn-ea"/>
+              </a:rPr>
+              <a:t>）</a:t>
+            </a:r>
+            <a:endParaRPr lang="en-US"/>
+          </a:p>
+        </p:txBody>
+      </p:sp>
+      <p:sp>
+        <p:nvSpPr>
+          <p:cNvPr id="3" name="Content Placeholder 2"/>
+          <p:cNvSpPr>
+            <a:spLocks noGrp="1"/>
+          </p:cNvSpPr>
+          <p:nvPr>
+            <p:ph idx="1"/>
+          </p:nvPr>
+        </p:nvSpPr>
+        <p:spPr/>
+        <p:txBody>
+          <a:bodyPr/>
+          <a:p>
+            <a:r>
+              <a:rPr lang="zh-CN" altLang="en-US"/>
+              <a:t>如果说</a:t>
+            </a:r>
+            <a:r>
+              <a:rPr lang="en-US" altLang="zh-CN"/>
+              <a:t> int &amp; </a:t>
+            </a:r>
+            <a:r>
+              <a:rPr lang="zh-CN" altLang="en-US"/>
+              <a:t>相当于</a:t>
+            </a:r>
+            <a:r>
+              <a:rPr lang="en-US" altLang="zh-CN"/>
+              <a:t> int *</a:t>
+            </a:r>
+            <a:r>
+              <a:rPr lang="zh-CN" altLang="en-US"/>
+              <a:t>，那么</a:t>
+            </a:r>
+            <a:r>
+              <a:rPr lang="en-US" altLang="zh-CN"/>
+              <a:t> int const &amp; </a:t>
+            </a:r>
+            <a:r>
+              <a:rPr lang="zh-CN" altLang="en-US"/>
+              <a:t>就相当于</a:t>
+            </a:r>
+            <a:r>
+              <a:rPr lang="en-US" altLang="zh-CN"/>
+              <a:t> int const *</a:t>
+            </a:r>
+            <a:r>
+              <a:rPr lang="zh-CN" altLang="en-US"/>
+              <a:t>。</a:t>
+            </a:r>
+            <a:endParaRPr lang="zh-CN" altLang="en-US"/>
+          </a:p>
+          <a:p>
+            <a:r>
+              <a:rPr lang="en-US" altLang="zh-CN"/>
+              <a:t>const </a:t>
+            </a:r>
+            <a:r>
+              <a:rPr lang="zh-CN" altLang="en-US"/>
+              <a:t>修饰符的存在，使得</a:t>
+            </a:r>
+            <a:r>
+              <a:rPr lang="en-US" altLang="zh-CN"/>
+              <a:t> ref </a:t>
+            </a:r>
+            <a:r>
+              <a:rPr lang="zh-CN" altLang="en-US"/>
+              <a:t>不能被写入（赋值）。</a:t>
+            </a:r>
+            <a:endParaRPr lang="zh-CN" altLang="en-US"/>
+          </a:p>
+          <a:p>
+            <a:r>
+              <a:rPr lang="zh-CN" altLang="en-US"/>
+              <a:t>这样的好处是更加安全（编译器也能够放心大胆地做自动优化</a:t>
+            </a:r>
+            <a:r>
+              <a:rPr lang="zh-CN" altLang="en-US">
+                <a:sym typeface="+mn-ea"/>
+              </a:rPr>
+              <a:t>）</a:t>
+            </a:r>
+            <a:r>
+              <a:rPr lang="zh-CN" altLang="en-US"/>
+              <a:t>：</a:t>
+            </a:r>
+            <a:endParaRPr lang="en-US" altLang="zh-CN"/>
+          </a:p>
+        </p:txBody>
+      </p:sp>
+      <p:pic>
+        <p:nvPicPr>
+          <p:cNvPr id="5" name="Picture 4"/>
+          <p:cNvPicPr>
+            <a:picLocks noChangeAspect="1"/>
+          </p:cNvPicPr>
+          <p:nvPr/>
+        </p:nvPicPr>
+        <p:blipFill>
+          <a:blip r:embed="rId1"/>
+          <a:stretch>
+            <a:fillRect/>
+          </a:stretch>
+        </p:blipFill>
+        <p:spPr>
+          <a:xfrm>
+            <a:off x="3893820" y="3237865"/>
+            <a:ext cx="4405630" cy="2998470"/>
+          </a:xfrm>
+          <a:prstGeom prst="rect">
+            <a:avLst/>
+          </a:prstGeom>
+        </p:spPr>
+      </p:pic>
+      <p:pic>
+        <p:nvPicPr>
+          <p:cNvPr id="6" name="Picture 5"/>
+          <p:cNvPicPr>
+            <a:picLocks noChangeAspect="1"/>
+          </p:cNvPicPr>
+          <p:nvPr/>
+        </p:nvPicPr>
+        <p:blipFill>
+          <a:blip r:embed="rId2"/>
+          <a:stretch>
+            <a:fillRect/>
+          </a:stretch>
+        </p:blipFill>
+        <p:spPr>
+          <a:xfrm>
+            <a:off x="11484610" y="6304915"/>
+            <a:ext cx="707390" cy="553085"/>
+          </a:xfrm>
+          <a:prstGeom prst="rect">
+            <a:avLst/>
+          </a:prstGeom>
+        </p:spPr>
+      </p:pic>
+      <p:cxnSp>
+        <p:nvCxnSpPr>
+          <p:cNvPr id="14" name="Straight Connector 13"/>
+          <p:cNvCxnSpPr/>
+          <p:nvPr/>
+        </p:nvCxnSpPr>
+        <p:spPr>
+          <a:xfrm flipV="1">
+            <a:off x="5316220" y="4843780"/>
+            <a:ext cx="794385" cy="15240"/>
+          </a:xfrm>
+          <a:prstGeom prst="line">
+            <a:avLst/>
+          </a:prstGeom>
+          <a:ln w="34925">
+            <a:solidFill>
+              <a:srgbClr val="FF3300"/>
+            </a:solidFill>
+          </a:ln>
+        </p:spPr>
+        <p:style>
+          <a:lnRef idx="1">
+            <a:schemeClr val="accent1"/>
+          </a:lnRef>
+          <a:fillRef idx="0">
+            <a:schemeClr val="accent1"/>
+          </a:fillRef>
+          <a:effectRef idx="0">
+            <a:schemeClr val="accent1"/>
+          </a:effectRef>
+          <a:fontRef idx="minor">
+            <a:schemeClr val="tx1"/>
+          </a:fontRef>
+        </p:style>
+      </p:cxnSp>
+    </p:spTree>
+  </p:cSld>
+  <p:clrMapOvr>
+    <a:masterClrMapping/>
+  </p:clrMapOvr>
+</p:sld>
+</file>
+
+<file path=ppt/slides/slide9.xml><?xml version="1.0" encoding="utf-8"?>
+<p:sld xmlns:a="http://schemas.openxmlformats.org/drawingml/2006/main" xmlns:r="http://schemas.openxmlformats.org/officeDocument/2006/relationships" xmlns:p="http://schemas.openxmlformats.org/presentationml/2006/main">
+  <p:cSld>
+    <p:spTree>
+      <p:nvGrpSpPr>
+        <p:cNvPr id="1" name=""/>
+        <p:cNvGrpSpPr/>
+        <p:nvPr/>
+      </p:nvGrpSpPr>
+      <p:grpSpPr/>
+      <p:sp>
+        <p:nvSpPr>
+          <p:cNvPr id="2" name="Title 1"/>
+          <p:cNvSpPr>
+            <a:spLocks noGrp="1"/>
+          </p:cNvSpPr>
+          <p:nvPr>
+            <p:ph type="title"/>
+          </p:nvPr>
+        </p:nvSpPr>
+        <p:spPr/>
+        <p:txBody>
+          <a:bodyPr/>
+          <a:p>
+            <a:r>
+              <a:rPr lang="zh-CN" altLang="en-US"/>
+              <a:t>自动类型推导：定义引用（</a:t>
+            </a:r>
+            <a:r>
+              <a:rPr lang="en-US" altLang="zh-CN"/>
+              <a:t>auto &amp;</a:t>
+            </a:r>
+            <a:r>
+              <a:rPr lang="zh-CN" altLang="en-US"/>
+              <a:t>）</a:t>
+            </a:r>
+            <a:endParaRPr lang="zh-CN" altLang="en-US"/>
+          </a:p>
+        </p:txBody>
+      </p:sp>
+      <p:sp>
+        <p:nvSpPr>
+          <p:cNvPr id="3" name="Content Placeholder 2"/>
+          <p:cNvSpPr>
+            <a:spLocks noGrp="1"/>
+          </p:cNvSpPr>
+          <p:nvPr>
+            <p:ph idx="1"/>
+          </p:nvPr>
+        </p:nvSpPr>
+        <p:spPr/>
+        <p:txBody>
+          <a:bodyPr/>
+          <a:p>
+            <a:r>
+              <a:rPr lang="zh-CN" altLang="en-US"/>
+              <a:t>当然，</a:t>
+            </a:r>
+            <a:r>
+              <a:rPr lang="en-US" altLang="zh-CN"/>
+              <a:t>auto </a:t>
+            </a:r>
+            <a:r>
+              <a:rPr lang="zh-CN" altLang="en-US"/>
+              <a:t>也可以用来定义引用，只需要改成</a:t>
+            </a:r>
+            <a:r>
+              <a:rPr lang="en-US" altLang="zh-CN"/>
+              <a:t> auto &amp; </a:t>
+            </a:r>
+            <a:r>
+              <a:rPr lang="zh-CN" altLang="en-US"/>
+              <a:t>即可：</a:t>
+            </a:r>
+            <a:endParaRPr lang="zh-CN" altLang="en-US"/>
+          </a:p>
+        </p:txBody>
+      </p:sp>
+      <p:pic>
+        <p:nvPicPr>
+          <p:cNvPr id="4" name="Picture 3"/>
+          <p:cNvPicPr>
+            <a:picLocks noChangeAspect="1"/>
+          </p:cNvPicPr>
+          <p:nvPr/>
+        </p:nvPicPr>
+        <p:blipFill>
+          <a:blip r:embed="rId1"/>
+          <a:stretch>
+            <a:fillRect/>
+          </a:stretch>
+        </p:blipFill>
+        <p:spPr>
+          <a:xfrm>
+            <a:off x="3923030" y="2528570"/>
+            <a:ext cx="4775200" cy="3313430"/>
+          </a:xfrm>
+          <a:prstGeom prst="rect">
+            <a:avLst/>
+          </a:prstGeom>
+        </p:spPr>
+      </p:pic>
+      <p:pic>
+        <p:nvPicPr>
+          <p:cNvPr id="5" name="Picture 4"/>
+          <p:cNvPicPr>
+            <a:picLocks noChangeAspect="1"/>
+          </p:cNvPicPr>
+          <p:nvPr/>
+        </p:nvPicPr>
+        <p:blipFill>
+          <a:blip r:embed="rId2"/>
+          <a:stretch>
+            <a:fillRect/>
+          </a:stretch>
+        </p:blipFill>
+        <p:spPr>
+          <a:xfrm>
+            <a:off x="11574780" y="6310630"/>
+            <a:ext cx="617220" cy="547370"/>
+          </a:xfrm>
+          <a:prstGeom prst="rect">
+            <a:avLst/>
+          </a:prstGeom>
+        </p:spPr>
+      </p:pic>
+      <p:cxnSp>
+        <p:nvCxnSpPr>
+          <p:cNvPr id="14" name="Straight Connector 13"/>
+          <p:cNvCxnSpPr/>
+          <p:nvPr/>
+        </p:nvCxnSpPr>
+        <p:spPr>
+          <a:xfrm flipV="1">
+            <a:off x="4927600" y="4271645"/>
+            <a:ext cx="794385" cy="15240"/>
+          </a:xfrm>
+          <a:prstGeom prst="line">
+            <a:avLst/>
+          </a:prstGeom>
+          <a:ln w="34925">
+            <a:solidFill>
+              <a:srgbClr val="FF3300"/>
+            </a:solidFill>
+          </a:ln>
+        </p:spPr>
+        <p:style>
+          <a:lnRef idx="1">
+            <a:schemeClr val="accent1"/>
+          </a:lnRef>
+          <a:fillRef idx="0">
+            <a:schemeClr val="accent1"/>
+          </a:fillRef>
+          <a:effectRef idx="0">
+            <a:schemeClr val="accent1"/>
+          </a:effectRef>
+          <a:fontRef idx="minor">
+            <a:schemeClr val="tx1"/>
+          </a:fontRef>
+        </p:style>
+      </p:cxnSp>
     </p:spTree>
   </p:cSld>
   <p:clrMapOvr>

--- a/03/slides.pptx
+++ b/03/slides.pptx
@@ -8,7 +8,7 @@
     <p:notesMasterId r:id="rId8"/>
   </p:notesMasterIdLst>
   <p:handoutMasterIdLst>
-    <p:handoutMasterId r:id="rId18"/>
+    <p:handoutMasterId r:id="rId19"/>
   </p:handoutMasterIdLst>
   <p:sldIdLst>
     <p:sldId id="257" r:id="rId3"/>
@@ -24,7 +24,8 @@
     <p:sldId id="268" r:id="rId14"/>
     <p:sldId id="271" r:id="rId15"/>
     <p:sldId id="270" r:id="rId16"/>
-    <p:sldId id="269" r:id="rId17"/>
+    <p:sldId id="274" r:id="rId17"/>
+    <p:sldId id="269" r:id="rId18"/>
   </p:sldIdLst>
   <p:sldSz cx="12192000" cy="6858000"/>
   <p:notesSz cx="7103745" cy="10234295"/>
@@ -3997,7 +3998,19 @@
               <a:rPr lang="zh-CN" altLang="en-US">
                 <a:sym typeface="+mn-ea"/>
               </a:rPr>
-              <a:t>。比如常见的单例模式：</a:t>
+              <a:t>。比如“懒汉单例模式</a:t>
+            </a:r>
+            <a:r>
+              <a:rPr lang="zh-CN" altLang="en-US">
+                <a:sym typeface="+mn-ea"/>
+              </a:rPr>
+              <a:t>”</a:t>
+            </a:r>
+            <a:r>
+              <a:rPr lang="zh-CN" altLang="en-US">
+                <a:sym typeface="+mn-ea"/>
+              </a:rPr>
+              <a:t>：</a:t>
             </a:r>
             <a:endParaRPr lang="zh-CN" altLang="en-US">
               <a:sym typeface="+mn-ea"/>
@@ -4119,8 +4132,40 @@
           <a:bodyPr/>
           <a:p>
             <a:r>
+              <a:rPr lang="zh-CN" altLang="en-US">
+                <a:sym typeface="+mn-ea"/>
+              </a:rPr>
+              <a:t>怎么样，是不是非常方便呢？</a:t>
+            </a:r>
+            <a:endParaRPr lang="zh-CN" altLang="en-US">
+              <a:sym typeface="+mn-ea"/>
+            </a:endParaRPr>
+          </a:p>
+          <a:p>
+            <a:r>
               <a:rPr lang="zh-CN" altLang="en-US"/>
               <a:t>接下来进入左值和右值的探讨。</a:t>
+            </a:r>
+            <a:endParaRPr lang="zh-CN" altLang="en-US"/>
+          </a:p>
+          <a:p>
+            <a:r>
+              <a:rPr lang="zh-CN" altLang="en-US">
+                <a:sym typeface="+mn-ea"/>
+              </a:rPr>
+              <a:t>右值引用，</a:t>
+            </a:r>
+            <a:r>
+              <a:rPr lang="zh-CN" altLang="en-US"/>
+              <a:t>这是</a:t>
+            </a:r>
+            <a:r>
+              <a:rPr lang="en-US" altLang="zh-CN"/>
+              <a:t> C++11 </a:t>
+            </a:r>
+            <a:r>
+              <a:rPr lang="zh-CN" altLang="en-US"/>
+              <a:t>新增的概念。</a:t>
             </a:r>
             <a:endParaRPr lang="zh-CN" altLang="en-US"/>
           </a:p>
@@ -4181,8 +4226,20 @@
           <a:bodyPr/>
           <a:p>
             <a:r>
-              <a:rPr lang="zh-CN" altLang="en-US"/>
-              <a:t>引用又称为左值（</a:t>
+              <a:rPr lang="zh-CN" altLang="en-US" b="1"/>
+              <a:t>引用</a:t>
+            </a:r>
+            <a:r>
+              <a:rPr lang="zh-CN" altLang="en-US"/>
+              <a:t>又称为</a:t>
+            </a:r>
+            <a:r>
+              <a:rPr lang="zh-CN" altLang="en-US" b="1"/>
+              <a:t>左值</a:t>
+            </a:r>
+            <a:r>
+              <a:rPr lang="zh-CN" altLang="en-US"/>
+              <a:t>（</a:t>
             </a:r>
             <a:r>
               <a:rPr lang="en-US" altLang="zh-CN"/>
@@ -4190,30 +4247,207 @@
             </a:r>
             <a:r>
               <a:rPr lang="zh-CN" altLang="en-US"/>
-              <a:t>）。引用通常对应着一个变量，可以是常引用也可以是可变引用。</a:t>
-            </a:r>
-            <a:endParaRPr lang="zh-CN" altLang="en-US"/>
-          </a:p>
-          <a:p>
-            <a:r>
-              <a:rPr lang="zh-CN" altLang="en-US"/>
-              <a:t>除了左值之外，自然还有右值（</a:t>
+              <a:t>）。</a:t>
+            </a:r>
+            <a:r>
+              <a:rPr lang="zh-CN" altLang="en-US" b="1"/>
+              <a:t>左值</a:t>
+            </a:r>
+            <a:r>
+              <a:rPr lang="zh-CN" altLang="en-US"/>
+              <a:t>通常对应着一个</a:t>
+            </a:r>
+            <a:r>
+              <a:rPr lang="zh-CN" altLang="en-US" b="1"/>
+              <a:t>长时间存在于内存中的变量</a:t>
+            </a:r>
+            <a:r>
+              <a:rPr lang="zh-CN" altLang="en-US"/>
+              <a:t>。</a:t>
+            </a:r>
+            <a:endParaRPr lang="zh-CN" altLang="en-US"/>
+          </a:p>
+          <a:p>
+            <a:r>
+              <a:rPr lang="zh-CN" altLang="en-US">
+                <a:sym typeface="+mn-ea"/>
+              </a:rPr>
+              <a:t>除了左值之外，还有</a:t>
+            </a:r>
+            <a:r>
+              <a:rPr lang="zh-CN" altLang="en-US" b="1">
+                <a:sym typeface="+mn-ea"/>
+              </a:rPr>
+              <a:t>右值</a:t>
+            </a:r>
+            <a:r>
+              <a:rPr lang="zh-CN" altLang="en-US">
+                <a:sym typeface="+mn-ea"/>
+              </a:rPr>
+              <a:t>（</a:t>
+            </a:r>
+            <a:r>
+              <a:rPr lang="en-US" altLang="zh-CN">
+                <a:sym typeface="+mn-ea"/>
+              </a:rPr>
+              <a:t>r-value</a:t>
+            </a:r>
+            <a:r>
+              <a:rPr lang="zh-CN" altLang="en-US">
+                <a:sym typeface="+mn-ea"/>
+              </a:rPr>
+              <a:t>）。</a:t>
+            </a:r>
+            <a:r>
+              <a:rPr lang="zh-CN" altLang="en-US" b="1">
+                <a:sym typeface="+mn-ea"/>
+              </a:rPr>
+              <a:t>右值</a:t>
+            </a:r>
+            <a:r>
+              <a:rPr lang="zh-CN" altLang="en-US">
+                <a:sym typeface="+mn-ea"/>
+              </a:rPr>
+              <a:t>通常是一个表达式，代表</a:t>
+            </a:r>
+            <a:r>
+              <a:rPr lang="zh-CN" altLang="en-US" b="1">
+                <a:sym typeface="+mn-ea"/>
+              </a:rPr>
+              <a:t>计算过程中临时生成的中间变量</a:t>
+            </a:r>
+            <a:r>
+              <a:rPr lang="zh-CN" altLang="en-US">
+                <a:sym typeface="+mn-ea"/>
+              </a:rPr>
+              <a:t>。因此有的教材又称之为消亡引用。</a:t>
+            </a:r>
+            <a:endParaRPr lang="zh-CN" altLang="en-US">
+              <a:sym typeface="+mn-ea"/>
+            </a:endParaRPr>
+          </a:p>
+          <a:p>
+            <a:r>
+              <a:rPr lang="zh-CN" altLang="en-US">
+                <a:sym typeface="+mn-ea"/>
+              </a:rPr>
+              <a:t>得名原因：左值常常位于等号的左边，而右值只能位于等号右边。比如：</a:t>
+            </a:r>
+            <a:r>
+              <a:rPr lang="en-US" altLang="zh-CN">
+                <a:sym typeface="+mn-ea"/>
+              </a:rPr>
+              <a:t>a = 1;</a:t>
+            </a:r>
+            <a:endParaRPr lang="en-US" altLang="zh-CN">
+              <a:sym typeface="+mn-ea"/>
+            </a:endParaRPr>
+          </a:p>
+          <a:p>
+            <a:endParaRPr lang="zh-CN" altLang="en-US">
+              <a:sym typeface="+mn-ea"/>
+            </a:endParaRPr>
+          </a:p>
+          <a:p>
+            <a:r>
+              <a:rPr lang="zh-CN" altLang="en-US">
+                <a:sym typeface="+mn-ea"/>
+              </a:rPr>
+              <a:t>已知：</a:t>
+            </a:r>
+            <a:r>
+              <a:rPr lang="en-US" altLang="zh-CN">
+                <a:sym typeface="+mn-ea"/>
+              </a:rPr>
+              <a:t>int a; int *p;</a:t>
+            </a:r>
+            <a:endParaRPr lang="zh-CN" altLang="en-US"/>
+          </a:p>
+          <a:p>
+            <a:r>
+              <a:rPr lang="zh-CN" altLang="en-US">
+                <a:sym typeface="+mn-ea"/>
+              </a:rPr>
+              <a:t>左值类型：</a:t>
+            </a:r>
+            <a:r>
+              <a:rPr lang="en-US" altLang="zh-CN">
+                <a:sym typeface="+mn-ea"/>
+              </a:rPr>
+              <a:t>int &amp;</a:t>
+            </a:r>
+            <a:endParaRPr lang="en-US" altLang="zh-CN">
+              <a:sym typeface="+mn-ea"/>
+            </a:endParaRPr>
+          </a:p>
+          <a:p>
+            <a:r>
+              <a:rPr lang="zh-CN" altLang="en-US">
+                <a:sym typeface="+mn-ea"/>
+              </a:rPr>
+              <a:t>左值</a:t>
+            </a:r>
+            <a:r>
+              <a:rPr lang="zh-CN" altLang="en-US">
+                <a:sym typeface="+mn-ea"/>
+              </a:rPr>
+              <a:t>例子：</a:t>
+            </a:r>
+            <a:r>
+              <a:rPr lang="en-US" altLang="zh-CN">
+                <a:sym typeface="+mn-ea"/>
+              </a:rPr>
+              <a:t>a, *p, p[a]</a:t>
+            </a:r>
+            <a:endParaRPr lang="en-US" altLang="zh-CN">
+              <a:sym typeface="+mn-ea"/>
+            </a:endParaRPr>
+          </a:p>
+          <a:p>
+            <a:r>
+              <a:rPr lang="zh-CN" altLang="en-US">
+                <a:sym typeface="+mn-ea"/>
+              </a:rPr>
+              <a:t>右值</a:t>
+            </a:r>
+            <a:r>
+              <a:rPr lang="zh-CN" altLang="en-US">
+                <a:sym typeface="+mn-ea"/>
+              </a:rPr>
+              <a:t>类型</a:t>
+            </a:r>
+            <a:r>
+              <a:rPr lang="zh-CN" altLang="en-US">
+                <a:sym typeface="+mn-ea"/>
+              </a:rPr>
+              <a:t>：</a:t>
+            </a:r>
+            <a:r>
+              <a:rPr lang="en-US" altLang="zh-CN">
+                <a:sym typeface="+mn-ea"/>
+              </a:rPr>
+              <a:t>int &amp;&amp;</a:t>
+            </a:r>
+            <a:endParaRPr lang="en-US" altLang="zh-CN">
+              <a:sym typeface="+mn-ea"/>
+            </a:endParaRPr>
+          </a:p>
+          <a:p>
+            <a:r>
+              <a:rPr lang="zh-CN" altLang="en-US">
+                <a:sym typeface="+mn-ea"/>
+              </a:rPr>
+              <a:t>右值</a:t>
+            </a:r>
+            <a:r>
+              <a:rPr lang="zh-CN" altLang="en-US"/>
+              <a:t>例子：</a:t>
             </a:r>
             <a:r>
               <a:rPr lang="en-US" altLang="zh-CN"/>
-              <a:t>r-value</a:t>
-            </a:r>
-            <a:r>
-              <a:rPr lang="zh-CN" altLang="en-US"/>
-              <a:t>）。</a:t>
-            </a:r>
-            <a:r>
-              <a:rPr lang="zh-CN" altLang="en-US">
-                <a:sym typeface="+mn-ea"/>
-              </a:rPr>
-              <a:t>右值通常是一个表达式，代表一个中间变量。</a:t>
-            </a:r>
-            <a:endParaRPr lang="zh-CN" altLang="en-US"/>
+              <a:t>1, a + 1, *p + 1</a:t>
+            </a:r>
+            <a:endParaRPr lang="en-US" altLang="zh-CN"/>
           </a:p>
         </p:txBody>
       </p:sp>
@@ -4250,15 +4484,359 @@
           <a:bodyPr/>
           <a:p>
             <a:r>
+              <a:rPr lang="zh-CN" altLang="en-US"/>
+              <a:t>理解</a:t>
+            </a:r>
+            <a:r>
+              <a:rPr lang="en-US" altLang="zh-CN"/>
+              <a:t> const</a:t>
+            </a:r>
+            <a:r>
+              <a:rPr lang="zh-CN" altLang="en-US"/>
+              <a:t>：常值修饰符</a:t>
+            </a:r>
+            <a:endParaRPr lang="zh-CN" altLang="en-US"/>
+          </a:p>
+        </p:txBody>
+      </p:sp>
+      <p:sp>
+        <p:nvSpPr>
+          <p:cNvPr id="3" name="Content Placeholder 2"/>
+          <p:cNvSpPr>
+            <a:spLocks noGrp="1"/>
+          </p:cNvSpPr>
+          <p:nvPr>
+            <p:ph idx="1"/>
+          </p:nvPr>
+        </p:nvSpPr>
+        <p:spPr/>
+        <p:txBody>
+          <a:bodyPr/>
+          <a:p>
+            <a:r>
+              <a:rPr lang="zh-CN" altLang="en-US"/>
+              <a:t>与</a:t>
+            </a:r>
+            <a:r>
+              <a:rPr lang="en-US" altLang="zh-CN"/>
+              <a:t> &amp; </a:t>
+            </a:r>
+            <a:r>
+              <a:rPr lang="zh-CN" altLang="en-US"/>
+              <a:t>修饰符不同，</a:t>
+            </a:r>
+            <a:r>
+              <a:rPr lang="en-US" altLang="zh-CN"/>
+              <a:t>int const </a:t>
+            </a:r>
+            <a:r>
+              <a:rPr lang="zh-CN" altLang="en-US"/>
+              <a:t>和</a:t>
+            </a:r>
+            <a:r>
+              <a:rPr lang="en-US" altLang="zh-CN"/>
+              <a:t> int </a:t>
+            </a:r>
+            <a:r>
+              <a:rPr lang="zh-CN" altLang="en-US"/>
+              <a:t>可以看做两个不同的类型。不过</a:t>
+            </a:r>
+            <a:r>
+              <a:rPr lang="en-US" altLang="zh-CN"/>
+              <a:t> int const </a:t>
+            </a:r>
+            <a:r>
+              <a:rPr lang="zh-CN" altLang="en-US"/>
+              <a:t>是</a:t>
+            </a:r>
+            <a:r>
+              <a:rPr lang="zh-CN" altLang="en-US" b="1"/>
+              <a:t>不可写入</a:t>
+            </a:r>
+            <a:r>
+              <a:rPr lang="zh-CN" altLang="en-US"/>
+              <a:t>的。</a:t>
+            </a:r>
+            <a:endParaRPr lang="zh-CN" altLang="en-US"/>
+          </a:p>
+          <a:p>
+            <a:r>
+              <a:rPr lang="zh-CN" altLang="en-US"/>
+              <a:t>因此</a:t>
+            </a:r>
+            <a:r>
+              <a:rPr lang="en-US" altLang="zh-CN"/>
+              <a:t> int const &amp; </a:t>
+            </a:r>
+            <a:r>
+              <a:rPr lang="zh-CN" altLang="en-US"/>
+              <a:t>无非是另一个类型</a:t>
+            </a:r>
+            <a:r>
+              <a:rPr lang="en-US" altLang="zh-CN"/>
+              <a:t> int const </a:t>
+            </a:r>
+            <a:r>
+              <a:rPr lang="zh-CN" altLang="en-US"/>
+              <a:t>的引用罢了。这个引用不可写入。</a:t>
+            </a:r>
+            <a:endParaRPr lang="zh-CN" altLang="en-US"/>
+          </a:p>
+          <a:p>
+            <a:r>
+              <a:rPr lang="zh-CN" altLang="en-US"/>
+              <a:t>唯一特殊之处，就在于</a:t>
+            </a:r>
+            <a:r>
+              <a:rPr lang="en-US" altLang="zh-CN"/>
+              <a:t> C++ </a:t>
+            </a:r>
+            <a:r>
+              <a:rPr lang="zh-CN" altLang="en-US"/>
+              <a:t>规定</a:t>
+            </a:r>
+            <a:r>
+              <a:rPr lang="en-US" altLang="zh-CN"/>
+              <a:t> </a:t>
+            </a:r>
+            <a:r>
+              <a:rPr lang="en-US" altLang="zh-CN" b="1"/>
+              <a:t>int &amp;&amp; </a:t>
+            </a:r>
+            <a:r>
+              <a:rPr lang="zh-CN" altLang="en-US" b="1"/>
+              <a:t>能</a:t>
+            </a:r>
+            <a:r>
+              <a:rPr lang="zh-CN" altLang="en-US" b="1"/>
+              <a:t>自动转换成</a:t>
+            </a:r>
+            <a:r>
+              <a:rPr lang="en-US" altLang="zh-CN" b="1"/>
+              <a:t> int const &amp;</a:t>
+            </a:r>
+            <a:r>
+              <a:rPr lang="zh-CN" altLang="en-US"/>
+              <a:t>，但不能转换成</a:t>
+            </a:r>
+            <a:r>
+              <a:rPr lang="en-US" altLang="zh-CN"/>
+              <a:t> int &amp;</a:t>
+            </a:r>
+            <a:r>
+              <a:rPr lang="zh-CN" altLang="en-US"/>
+              <a:t>。</a:t>
+            </a:r>
+            <a:endParaRPr lang="zh-CN" altLang="en-US"/>
+          </a:p>
+          <a:p>
+            <a:r>
+              <a:rPr lang="zh-CN" altLang="en-US"/>
+              <a:t>例如，尽管</a:t>
+            </a:r>
+            <a:r>
+              <a:rPr lang="en-US" altLang="zh-CN"/>
+              <a:t> </a:t>
+            </a:r>
+            <a:r>
+              <a:rPr lang="en-US" altLang="zh-CN">
+                <a:sym typeface="+mn-ea"/>
+              </a:rPr>
+              <a:t>3 </a:t>
+            </a:r>
+            <a:r>
               <a:rPr lang="zh-CN" altLang="en-US">
                 <a:sym typeface="+mn-ea"/>
               </a:rPr>
-              <a:t>自动类型推导：万能类型（</a:t>
+              <a:t>是右值</a:t>
             </a:r>
             <a:r>
               <a:rPr lang="en-US" altLang="zh-CN">
                 <a:sym typeface="+mn-ea"/>
               </a:rPr>
+              <a:t> int &amp;&amp;</a:t>
+            </a:r>
+            <a:r>
+              <a:rPr lang="zh-CN" altLang="en-US">
+                <a:sym typeface="+mn-ea"/>
+              </a:rPr>
+              <a:t>，但却能传到类型为</a:t>
+            </a:r>
+            <a:r>
+              <a:rPr lang="en-US" altLang="zh-CN">
+                <a:sym typeface="+mn-ea"/>
+              </a:rPr>
+              <a:t> int const &amp; </a:t>
+            </a:r>
+            <a:r>
+              <a:rPr lang="zh-CN" altLang="en-US">
+                <a:sym typeface="+mn-ea"/>
+              </a:rPr>
+              <a:t>的参数上</a:t>
+            </a:r>
+            <a:r>
+              <a:rPr lang="zh-CN" altLang="en-US"/>
+              <a:t>：</a:t>
+            </a:r>
+            <a:endParaRPr lang="zh-CN" altLang="en-US"/>
+          </a:p>
+          <a:p>
+            <a:r>
+              <a:rPr lang="en-US" altLang="zh-CN">
+                <a:solidFill>
+                  <a:schemeClr val="accent1">
+                    <a:lumMod val="75000"/>
+                  </a:schemeClr>
+                </a:solidFill>
+              </a:rPr>
+              <a:t>void func(int const &amp;i);</a:t>
+            </a:r>
+            <a:endParaRPr lang="en-US" altLang="zh-CN">
+              <a:solidFill>
+                <a:schemeClr val="accent1">
+                  <a:lumMod val="75000"/>
+                </a:schemeClr>
+              </a:solidFill>
+            </a:endParaRPr>
+          </a:p>
+          <a:p>
+            <a:r>
+              <a:rPr lang="en-US" altLang="zh-CN">
+                <a:solidFill>
+                  <a:schemeClr val="accent1">
+                    <a:lumMod val="75000"/>
+                  </a:schemeClr>
+                </a:solidFill>
+              </a:rPr>
+              <a:t>func(3);</a:t>
+            </a:r>
+            <a:endParaRPr lang="en-US" altLang="zh-CN">
+              <a:solidFill>
+                <a:schemeClr val="accent1">
+                  <a:lumMod val="75000"/>
+                </a:schemeClr>
+              </a:solidFill>
+            </a:endParaRPr>
+          </a:p>
+          <a:p>
+            <a:r>
+              <a:rPr lang="zh-CN" altLang="en-US"/>
+              <a:t>而</a:t>
+            </a:r>
+            <a:r>
+              <a:rPr lang="en-US" altLang="zh-CN"/>
+              <a:t> int &amp; </a:t>
+            </a:r>
+            <a:r>
+              <a:rPr lang="zh-CN" altLang="en-US"/>
+              <a:t>的参数：</a:t>
+            </a:r>
+            <a:endParaRPr lang="zh-CN" altLang="en-US"/>
+          </a:p>
+          <a:p>
+            <a:r>
+              <a:rPr lang="en-US" altLang="zh-CN">
+                <a:solidFill>
+                  <a:schemeClr val="accent1">
+                    <a:lumMod val="75000"/>
+                  </a:schemeClr>
+                </a:solidFill>
+                <a:sym typeface="+mn-ea"/>
+              </a:rPr>
+              <a:t>void func(int &amp;i);</a:t>
+            </a:r>
+            <a:endParaRPr lang="en-US" altLang="zh-CN">
+              <a:solidFill>
+                <a:schemeClr val="accent1">
+                  <a:lumMod val="75000"/>
+                </a:schemeClr>
+              </a:solidFill>
+            </a:endParaRPr>
+          </a:p>
+          <a:p>
+            <a:r>
+              <a:rPr lang="en-US" altLang="zh-CN">
+                <a:solidFill>
+                  <a:schemeClr val="accent1">
+                    <a:lumMod val="75000"/>
+                  </a:schemeClr>
+                </a:solidFill>
+                <a:sym typeface="+mn-ea"/>
+              </a:rPr>
+              <a:t>func(3);</a:t>
+            </a:r>
+            <a:endParaRPr lang="en-US" altLang="zh-CN">
+              <a:solidFill>
+                <a:schemeClr val="accent1">
+                  <a:lumMod val="75000"/>
+                </a:schemeClr>
+              </a:solidFill>
+              <a:sym typeface="+mn-ea"/>
+            </a:endParaRPr>
+          </a:p>
+          <a:p>
+            <a:r>
+              <a:rPr lang="zh-CN" altLang="en-US"/>
+              <a:t>就会报错。</a:t>
+            </a:r>
+            <a:endParaRPr lang="zh-CN" altLang="en-US"/>
+          </a:p>
+        </p:txBody>
+      </p:sp>
+    </p:spTree>
+  </p:cSld>
+  <p:clrMapOvr>
+    <a:masterClrMapping/>
+  </p:clrMapOvr>
+</p:sld>
+</file>
+
+<file path=ppt/slides/slide15.xml><?xml version="1.0" encoding="utf-8"?>
+<p:sld xmlns:a="http://schemas.openxmlformats.org/drawingml/2006/main" xmlns:r="http://schemas.openxmlformats.org/officeDocument/2006/relationships" xmlns:p="http://schemas.openxmlformats.org/presentationml/2006/main">
+  <p:cSld>
+    <p:spTree>
+      <p:nvGrpSpPr>
+        <p:cNvPr id="1" name=""/>
+        <p:cNvGrpSpPr/>
+        <p:nvPr/>
+      </p:nvGrpSpPr>
+      <p:grpSpPr/>
+      <p:sp>
+        <p:nvSpPr>
+          <p:cNvPr id="2" name="Title 1"/>
+          <p:cNvSpPr>
+            <a:spLocks noGrp="1"/>
+          </p:cNvSpPr>
+          <p:nvPr>
+            <p:ph type="title"/>
+          </p:nvPr>
+        </p:nvSpPr>
+        <p:spPr/>
+        <p:txBody>
+          <a:bodyPr/>
+          <a:p>
+            <a:r>
+              <a:rPr lang="zh-CN" altLang="en-US">
+                <a:sym typeface="+mn-ea"/>
+              </a:rPr>
+              <a:t>自动类型推导：万能</a:t>
+            </a:r>
+            <a:r>
+              <a:rPr lang="zh-CN" altLang="en-US">
+                <a:sym typeface="+mn-ea"/>
+              </a:rPr>
+              <a:t>推导</a:t>
+            </a:r>
+            <a:r>
+              <a:rPr lang="zh-CN" altLang="en-US">
+                <a:sym typeface="+mn-ea"/>
+              </a:rPr>
+              <a:t>（</a:t>
+            </a:r>
+            <a:r>
+              <a:rPr lang="en-US" altLang="zh-CN">
+                <a:sym typeface="+mn-ea"/>
+              </a:rPr>
               <a:t>decltype(auto)</a:t>
             </a:r>
             <a:r>
@@ -4287,7 +4865,15 @@
           <a:p>
             <a:r>
               <a:rPr lang="zh-CN" altLang="en-US"/>
-              <a:t>如果一个表达式，我不知道他是个</a:t>
+              <a:t>如果一个</a:t>
+            </a:r>
+            <a:r>
+              <a:rPr lang="zh-CN" altLang="en-US" b="1"/>
+              <a:t>表达式</a:t>
+            </a:r>
+            <a:r>
+              <a:rPr lang="zh-CN" altLang="en-US"/>
+              <a:t>，我不知道他是个</a:t>
             </a:r>
             <a:r>
               <a:rPr lang="zh-CN" altLang="en-US">
@@ -4313,7 +4899,7 @@
             </a:r>
             <a:r>
               <a:rPr lang="zh-CN" altLang="en-US"/>
-              <a:t>），还是一个右值（</a:t>
+              <a:t>），右值引用（</a:t>
             </a:r>
             <a:r>
               <a:rPr lang="en-US" altLang="zh-CN"/>
@@ -4321,7 +4907,52 @@
             </a:r>
             <a:r>
               <a:rPr lang="zh-CN" altLang="en-US"/>
+              <a:t>），还是一个普通的值（</a:t>
+            </a:r>
+            <a:r>
+              <a:rPr lang="en-US" altLang="zh-CN"/>
+              <a:t>int</a:t>
+            </a:r>
+            <a:r>
+              <a:rPr lang="zh-CN" altLang="en-US"/>
               <a:t>）。</a:t>
+            </a:r>
+            <a:endParaRPr lang="zh-CN" altLang="en-US"/>
+          </a:p>
+          <a:p>
+            <a:r>
+              <a:rPr lang="zh-CN" altLang="en-US"/>
+              <a:t>但我就是想要定义一个和</a:t>
+            </a:r>
+            <a:r>
+              <a:rPr lang="zh-CN" altLang="en-US" b="1"/>
+              <a:t>表达式</a:t>
+            </a:r>
+            <a:r>
+              <a:rPr lang="zh-CN" altLang="en-US"/>
+              <a:t>返回类型一样的变量，这时候可以用：</a:t>
+            </a:r>
+            <a:endParaRPr lang="zh-CN" altLang="en-US"/>
+          </a:p>
+          <a:p>
+            <a:r>
+              <a:rPr lang="en-US" altLang="zh-CN"/>
+              <a:t>decltype(auto) p = func();</a:t>
+            </a:r>
+            <a:endParaRPr lang="en-US" altLang="zh-CN"/>
+          </a:p>
+          <a:p>
+            <a:r>
+              <a:rPr lang="zh-CN" altLang="en-US"/>
+              <a:t>会自动推导为</a:t>
+            </a:r>
+            <a:r>
+              <a:rPr lang="en-US" altLang="zh-CN"/>
+              <a:t> func() </a:t>
+            </a:r>
+            <a:r>
+              <a:rPr lang="zh-CN" altLang="en-US"/>
+              <a:t>的返回类型。</a:t>
             </a:r>
             <a:endParaRPr lang="zh-CN" altLang="en-US"/>
           </a:p>

--- a/03/slides.pptx
+++ b/03/slides.pptx
@@ -4169,6 +4169,13 @@
             </a:r>
             <a:endParaRPr lang="zh-CN" altLang="en-US"/>
           </a:p>
+          <a:p>
+            <a:r>
+              <a:rPr lang="zh-CN" altLang="en-US"/>
+              <a:t>如果不理解，跳过即可。</a:t>
+            </a:r>
+            <a:endParaRPr lang="zh-CN" altLang="en-US"/>
+          </a:p>
         </p:txBody>
       </p:sp>
     </p:spTree>
@@ -4221,9 +4228,16 @@
             <p:ph idx="1"/>
           </p:nvPr>
         </p:nvSpPr>
-        <p:spPr/>
-        <p:txBody>
-          <a:bodyPr/>
+        <p:spPr>
+          <a:xfrm>
+            <a:off x="576580" y="1825625"/>
+            <a:ext cx="7724140" cy="4351655"/>
+          </a:xfrm>
+        </p:spPr>
+        <p:txBody>
+          <a:bodyPr>
+            <a:normAutofit lnSpcReduction="10000"/>
+          </a:bodyPr>
           <a:p>
             <a:r>
               <a:rPr lang="zh-CN" altLang="en-US" b="1"/>
@@ -4376,6 +4390,18 @@
               </a:rPr>
               <a:t>int &amp;</a:t>
             </a:r>
+            <a:r>
+              <a:rPr lang="zh-CN" altLang="en-US">
+                <a:sym typeface="+mn-ea"/>
+              </a:rPr>
+              <a:t>，</a:t>
+            </a:r>
+            <a:r>
+              <a:rPr lang="en-US" altLang="zh-CN">
+                <a:sym typeface="+mn-ea"/>
+              </a:rPr>
+              <a:t>int const &amp;</a:t>
+            </a:r>
             <a:endParaRPr lang="en-US" altLang="zh-CN">
               <a:sym typeface="+mn-ea"/>
             </a:endParaRPr>
@@ -4408,19 +4434,7 @@
               <a:rPr lang="zh-CN" altLang="en-US">
                 <a:sym typeface="+mn-ea"/>
               </a:rPr>
-              <a:t>右值</a:t>
-            </a:r>
-            <a:r>
-              <a:rPr lang="zh-CN" altLang="en-US">
-                <a:sym typeface="+mn-ea"/>
-              </a:rPr>
-              <a:t>类型</a:t>
-            </a:r>
-            <a:r>
-              <a:rPr lang="zh-CN" altLang="en-US">
-                <a:sym typeface="+mn-ea"/>
-              </a:rPr>
-              <a:t>：</a:t>
+              <a:t>右值类型：</a:t>
             </a:r>
             <a:r>
               <a:rPr lang="en-US" altLang="zh-CN">
@@ -4451,6 +4465,30 @@
           </a:p>
         </p:txBody>
       </p:sp>
+      <p:pic>
+        <p:nvPicPr>
+          <p:cNvPr id="5" name="Picture 4"/>
+          <p:cNvPicPr>
+            <a:picLocks noChangeAspect="1"/>
+          </p:cNvPicPr>
+          <p:nvPr/>
+        </p:nvPicPr>
+        <p:blipFill>
+          <a:blip r:embed="rId1"/>
+          <a:stretch>
+            <a:fillRect/>
+          </a:stretch>
+        </p:blipFill>
+        <p:spPr>
+          <a:xfrm>
+            <a:off x="8283575" y="5080"/>
+            <a:ext cx="3869690" cy="6852920"/>
+          </a:xfrm>
+          <a:prstGeom prst="rect">
+            <a:avLst/>
+          </a:prstGeom>
+        </p:spPr>
+      </p:pic>
     </p:spTree>
   </p:cSld>
   <p:clrMapOvr>
@@ -4859,7 +4897,12 @@
             <p:ph idx="1"/>
           </p:nvPr>
         </p:nvSpPr>
-        <p:spPr/>
+        <p:spPr>
+          <a:xfrm>
+            <a:off x="647700" y="1612265"/>
+            <a:ext cx="10515600" cy="4351338"/>
+          </a:xfrm>
+        </p:spPr>
         <p:txBody>
           <a:bodyPr/>
           <a:p>
@@ -4958,6 +5001,30 @@
           </a:p>
         </p:txBody>
       </p:sp>
+      <p:pic>
+        <p:nvPicPr>
+          <p:cNvPr id="5" name="Picture 4"/>
+          <p:cNvPicPr>
+            <a:picLocks noChangeAspect="1"/>
+          </p:cNvPicPr>
+          <p:nvPr/>
+        </p:nvPicPr>
+        <p:blipFill>
+          <a:blip r:embed="rId1"/>
+          <a:stretch>
+            <a:fillRect/>
+          </a:stretch>
+        </p:blipFill>
+        <p:spPr>
+          <a:xfrm>
+            <a:off x="7322185" y="2663190"/>
+            <a:ext cx="4869815" cy="4194810"/>
+          </a:xfrm>
+          <a:prstGeom prst="rect">
+            <a:avLst/>
+          </a:prstGeom>
+        </p:spPr>
+      </p:pic>
     </p:spTree>
   </p:cSld>
   <p:clrMapOvr>
